--- a/ipsa/slides/modules.pptx
+++ b/ipsa/slides/modules.pptx
@@ -138,7 +138,7 @@
 <file path=ppt/revisionInfo.xml><?xml version="1.0" encoding="utf-8"?>
 <p1510:revInfo xmlns:a="http://schemas.openxmlformats.org/drawingml/2006/main" xmlns:r="http://schemas.openxmlformats.org/officeDocument/2006/relationships" xmlns:p1510="http://schemas.microsoft.com/office/powerpoint/2015/10/main">
   <p1510:revLst>
-    <p1510:client id="{2164AC87-6B14-4821-88A5-C4E818E611EC}" v="34" dt="2022-04-20T11:39:29.599"/>
+    <p1510:client id="{A080D9BA-16EC-4AEE-988E-46CF3D7B74AC}" v="5" dt="2023-04-18T19:54:24.241"/>
   </p1510:revLst>
 </p1510:revInfo>
 </file>
@@ -300,6 +300,126 @@
       </pc:sldChg>
     </pc:docChg>
   </pc:docChgLst>
+  <pc:docChgLst>
+    <pc:chgData name="Gerth Stølting Brodal" userId="04ef4784-6591-4f86-a140-f5c3b108582a" providerId="ADAL" clId="{A080D9BA-16EC-4AEE-988E-46CF3D7B74AC}"/>
+    <pc:docChg chg="undo custSel modSld">
+      <pc:chgData name="Gerth Stølting Brodal" userId="04ef4784-6591-4f86-a140-f5c3b108582a" providerId="ADAL" clId="{A080D9BA-16EC-4AEE-988E-46CF3D7B74AC}" dt="2023-04-18T20:01:49.852" v="142" actId="207"/>
+      <pc:docMkLst>
+        <pc:docMk/>
+      </pc:docMkLst>
+      <pc:sldChg chg="modSp mod modNotesTx">
+        <pc:chgData name="Gerth Stølting Brodal" userId="04ef4784-6591-4f86-a140-f5c3b108582a" providerId="ADAL" clId="{A080D9BA-16EC-4AEE-988E-46CF3D7B74AC}" dt="2023-04-18T19:10:38.073" v="28" actId="1076"/>
+        <pc:sldMkLst>
+          <pc:docMk/>
+          <pc:sldMk cId="1591653014" sldId="466"/>
+        </pc:sldMkLst>
+        <pc:spChg chg="mod">
+          <ac:chgData name="Gerth Stølting Brodal" userId="04ef4784-6591-4f86-a140-f5c3b108582a" providerId="ADAL" clId="{A080D9BA-16EC-4AEE-988E-46CF3D7B74AC}" dt="2023-04-18T19:10:38.073" v="28" actId="1076"/>
+          <ac:spMkLst>
+            <pc:docMk/>
+            <pc:sldMk cId="1591653014" sldId="466"/>
+            <ac:spMk id="3" creationId="{00000000-0000-0000-0000-000000000000}"/>
+          </ac:spMkLst>
+        </pc:spChg>
+      </pc:sldChg>
+      <pc:sldChg chg="modSp mod">
+        <pc:chgData name="Gerth Stølting Brodal" userId="04ef4784-6591-4f86-a140-f5c3b108582a" providerId="ADAL" clId="{A080D9BA-16EC-4AEE-988E-46CF3D7B74AC}" dt="2023-04-18T19:17:52.404" v="40"/>
+        <pc:sldMkLst>
+          <pc:docMk/>
+          <pc:sldMk cId="664324381" sldId="771"/>
+        </pc:sldMkLst>
+        <pc:graphicFrameChg chg="mod modGraphic">
+          <ac:chgData name="Gerth Stølting Brodal" userId="04ef4784-6591-4f86-a140-f5c3b108582a" providerId="ADAL" clId="{A080D9BA-16EC-4AEE-988E-46CF3D7B74AC}" dt="2023-04-18T19:17:52.404" v="40"/>
+          <ac:graphicFrameMkLst>
+            <pc:docMk/>
+            <pc:sldMk cId="664324381" sldId="771"/>
+            <ac:graphicFrameMk id="6" creationId="{00000000-0000-0000-0000-000000000000}"/>
+          </ac:graphicFrameMkLst>
+        </pc:graphicFrameChg>
+      </pc:sldChg>
+      <pc:sldChg chg="modSp mod">
+        <pc:chgData name="Gerth Stølting Brodal" userId="04ef4784-6591-4f86-a140-f5c3b108582a" providerId="ADAL" clId="{A080D9BA-16EC-4AEE-988E-46CF3D7B74AC}" dt="2023-04-18T19:12:47.451" v="33" actId="20577"/>
+        <pc:sldMkLst>
+          <pc:docMk/>
+          <pc:sldMk cId="3693141304" sldId="774"/>
+        </pc:sldMkLst>
+        <pc:spChg chg="mod">
+          <ac:chgData name="Gerth Stølting Brodal" userId="04ef4784-6591-4f86-a140-f5c3b108582a" providerId="ADAL" clId="{A080D9BA-16EC-4AEE-988E-46CF3D7B74AC}" dt="2023-04-18T19:12:47.451" v="33" actId="20577"/>
+          <ac:spMkLst>
+            <pc:docMk/>
+            <pc:sldMk cId="3693141304" sldId="774"/>
+            <ac:spMk id="3" creationId="{00000000-0000-0000-0000-000000000000}"/>
+          </ac:spMkLst>
+        </pc:spChg>
+      </pc:sldChg>
+      <pc:sldChg chg="modNotesTx">
+        <pc:chgData name="Gerth Stølting Brodal" userId="04ef4784-6591-4f86-a140-f5c3b108582a" providerId="ADAL" clId="{A080D9BA-16EC-4AEE-988E-46CF3D7B74AC}" dt="2023-04-18T19:11:57.691" v="29" actId="20577"/>
+        <pc:sldMkLst>
+          <pc:docMk/>
+          <pc:sldMk cId="2262655743" sldId="777"/>
+        </pc:sldMkLst>
+      </pc:sldChg>
+      <pc:sldChg chg="modNotesTx">
+        <pc:chgData name="Gerth Stølting Brodal" userId="04ef4784-6591-4f86-a140-f5c3b108582a" providerId="ADAL" clId="{A080D9BA-16EC-4AEE-988E-46CF3D7B74AC}" dt="2023-04-18T19:31:13.857" v="134"/>
+        <pc:sldMkLst>
+          <pc:docMk/>
+          <pc:sldMk cId="2298857009" sldId="780"/>
+        </pc:sldMkLst>
+      </pc:sldChg>
+      <pc:sldChg chg="modSp mod">
+        <pc:chgData name="Gerth Stølting Brodal" userId="04ef4784-6591-4f86-a140-f5c3b108582a" providerId="ADAL" clId="{A080D9BA-16EC-4AEE-988E-46CF3D7B74AC}" dt="2023-04-18T19:47:31.371" v="138" actId="14100"/>
+        <pc:sldMkLst>
+          <pc:docMk/>
+          <pc:sldMk cId="1523777493" sldId="782"/>
+        </pc:sldMkLst>
+        <pc:spChg chg="mod">
+          <ac:chgData name="Gerth Stølting Brodal" userId="04ef4784-6591-4f86-a140-f5c3b108582a" providerId="ADAL" clId="{A080D9BA-16EC-4AEE-988E-46CF3D7B74AC}" dt="2023-04-18T19:47:31.371" v="138" actId="14100"/>
+          <ac:spMkLst>
+            <pc:docMk/>
+            <pc:sldMk cId="1523777493" sldId="782"/>
+            <ac:spMk id="3" creationId="{00000000-0000-0000-0000-000000000000}"/>
+          </ac:spMkLst>
+        </pc:spChg>
+      </pc:sldChg>
+      <pc:sldChg chg="addSp modSp">
+        <pc:chgData name="Gerth Stølting Brodal" userId="04ef4784-6591-4f86-a140-f5c3b108582a" providerId="ADAL" clId="{A080D9BA-16EC-4AEE-988E-46CF3D7B74AC}" dt="2023-04-18T19:54:24.241" v="139"/>
+        <pc:sldMkLst>
+          <pc:docMk/>
+          <pc:sldMk cId="3590058370" sldId="785"/>
+        </pc:sldMkLst>
+        <pc:spChg chg="add mod">
+          <ac:chgData name="Gerth Stølting Brodal" userId="04ef4784-6591-4f86-a140-f5c3b108582a" providerId="ADAL" clId="{A080D9BA-16EC-4AEE-988E-46CF3D7B74AC}" dt="2023-04-18T19:54:24.241" v="139"/>
+          <ac:spMkLst>
+            <pc:docMk/>
+            <pc:sldMk cId="3590058370" sldId="785"/>
+            <ac:spMk id="3" creationId="{82E1DB06-B049-075A-BA23-D831E3274BDD}"/>
+          </ac:spMkLst>
+        </pc:spChg>
+      </pc:sldChg>
+      <pc:sldChg chg="modSp mod">
+        <pc:chgData name="Gerth Stølting Brodal" userId="04ef4784-6591-4f86-a140-f5c3b108582a" providerId="ADAL" clId="{A080D9BA-16EC-4AEE-988E-46CF3D7B74AC}" dt="2023-04-18T20:01:49.852" v="142" actId="207"/>
+        <pc:sldMkLst>
+          <pc:docMk/>
+          <pc:sldMk cId="1145542974" sldId="787"/>
+        </pc:sldMkLst>
+        <pc:graphicFrameChg chg="modGraphic">
+          <ac:chgData name="Gerth Stølting Brodal" userId="04ef4784-6591-4f86-a140-f5c3b108582a" providerId="ADAL" clId="{A080D9BA-16EC-4AEE-988E-46CF3D7B74AC}" dt="2023-04-18T20:01:49.852" v="142" actId="207"/>
+          <ac:graphicFrameMkLst>
+            <pc:docMk/>
+            <pc:sldMk cId="1145542974" sldId="787"/>
+            <ac:graphicFrameMk id="6" creationId="{00000000-0000-0000-0000-000000000000}"/>
+          </ac:graphicFrameMkLst>
+        </pc:graphicFrameChg>
+      </pc:sldChg>
+      <pc:sldChg chg="modNotesTx">
+        <pc:chgData name="Gerth Stølting Brodal" userId="04ef4784-6591-4f86-a140-f5c3b108582a" providerId="ADAL" clId="{A080D9BA-16EC-4AEE-988E-46CF3D7B74AC}" dt="2023-04-18T19:26:26.981" v="131" actId="20577"/>
+        <pc:sldMkLst>
+          <pc:docMk/>
+          <pc:sldMk cId="1478869086" sldId="790"/>
+        </pc:sldMkLst>
+      </pc:sldChg>
+    </pc:docChg>
+  </pc:docChgLst>
 </pc:chgInfo>
 </file>
 
@@ -385,7 +505,7 @@
           <a:p>
             <a:fld id="{FB1A172F-81D4-4DC4-9113-1DBD56EC3646}" type="datetimeFigureOut">
               <a:rPr lang="en-US" smtClean="0"/>
-              <a:t>4/20/2022</a:t>
+              <a:t>4/18/2023</a:t>
             </a:fld>
             <a:endParaRPr lang="en-US"/>
           </a:p>
@@ -698,7 +818,15 @@
           <a:p>
             <a:r>
               <a:rPr lang="en-US" dirty="0"/>
-              <a:t>import antigravity</a:t>
+              <a:t>“import antigravity” open this </a:t>
+            </a:r>
+            <a:r>
+              <a:rPr lang="en-US" dirty="0" err="1"/>
+              <a:t>xkcd</a:t>
+            </a:r>
+            <a:r>
+              <a:rPr lang="en-US" dirty="0"/>
+              <a:t> webpage</a:t>
             </a:r>
           </a:p>
         </p:txBody>
@@ -730,6 +858,98 @@
     <p:extLst>
       <p:ext uri="{BB962C8B-B14F-4D97-AF65-F5344CB8AC3E}">
         <p14:creationId xmlns:p14="http://schemas.microsoft.com/office/powerpoint/2010/main" val="777818841"/>
+      </p:ext>
+    </p:extLst>
+  </p:cSld>
+  <p:clrMapOvr>
+    <a:masterClrMapping/>
+  </p:clrMapOvr>
+</p:notes>
+</file>
+
+<file path=ppt/notesSlides/notesSlide10.xml><?xml version="1.0" encoding="utf-8"?>
+<p:notes xmlns:a="http://schemas.openxmlformats.org/drawingml/2006/main" xmlns:r="http://schemas.openxmlformats.org/officeDocument/2006/relationships" xmlns:p="http://schemas.openxmlformats.org/presentationml/2006/main">
+  <p:cSld>
+    <p:spTree>
+      <p:nvGrpSpPr>
+        <p:cNvPr id="1" name=""/>
+        <p:cNvGrpSpPr/>
+        <p:nvPr/>
+      </p:nvGrpSpPr>
+      <p:grpSpPr>
+        <a:xfrm>
+          <a:off x="0" y="0"/>
+          <a:ext cx="0" cy="0"/>
+          <a:chOff x="0" y="0"/>
+          <a:chExt cx="0" cy="0"/>
+        </a:xfrm>
+      </p:grpSpPr>
+      <p:sp>
+        <p:nvSpPr>
+          <p:cNvPr id="2" name="Slide Image Placeholder 1"/>
+          <p:cNvSpPr>
+            <a:spLocks noGrp="1" noRot="1" noChangeAspect="1"/>
+          </p:cNvSpPr>
+          <p:nvPr>
+            <p:ph type="sldImg"/>
+          </p:nvPr>
+        </p:nvSpPr>
+        <p:spPr/>
+      </p:sp>
+      <p:sp>
+        <p:nvSpPr>
+          <p:cNvPr id="3" name="Notes Placeholder 2"/>
+          <p:cNvSpPr>
+            <a:spLocks noGrp="1"/>
+          </p:cNvSpPr>
+          <p:nvPr>
+            <p:ph type="body" idx="1"/>
+          </p:nvPr>
+        </p:nvSpPr>
+        <p:spPr/>
+        <p:txBody>
+          <a:bodyPr/>
+          <a:lstStyle/>
+          <a:p>
+            <a:r>
+              <a:rPr lang="en-US" dirty="0"/>
+              <a:t>Used by</a:t>
+            </a:r>
+            <a:r>
+              <a:rPr lang="en-US" baseline="0" dirty="0"/>
+              <a:t> scheduling exercise</a:t>
+            </a:r>
+            <a:endParaRPr lang="en-US" dirty="0"/>
+          </a:p>
+        </p:txBody>
+      </p:sp>
+      <p:sp>
+        <p:nvSpPr>
+          <p:cNvPr id="4" name="Slide Number Placeholder 3"/>
+          <p:cNvSpPr>
+            <a:spLocks noGrp="1"/>
+          </p:cNvSpPr>
+          <p:nvPr>
+            <p:ph type="sldNum" sz="quarter" idx="10"/>
+          </p:nvPr>
+        </p:nvSpPr>
+        <p:spPr/>
+        <p:txBody>
+          <a:bodyPr/>
+          <a:lstStyle/>
+          <a:p>
+            <a:fld id="{CD563DD8-32AB-41BE-B1C6-8EAC45222ACE}" type="slidenum">
+              <a:rPr lang="en-US" smtClean="0"/>
+              <a:t>18</a:t>
+            </a:fld>
+            <a:endParaRPr lang="en-US"/>
+          </a:p>
+        </p:txBody>
+      </p:sp>
+    </p:spTree>
+    <p:extLst>
+      <p:ext uri="{BB962C8B-B14F-4D97-AF65-F5344CB8AC3E}">
+        <p14:creationId xmlns:p14="http://schemas.microsoft.com/office/powerpoint/2010/main" val="3645884896"/>
       </p:ext>
     </p:extLst>
   </p:cSld>
@@ -1132,76 +1352,22 @@
           <a:lstStyle/>
           <a:p>
             <a:r>
-              <a:rPr lang="da-DK" dirty="0" err="1"/>
-              <a:t>math.sqrt</a:t>
-            </a:r>
-            <a:r>
-              <a:rPr lang="da-DK" dirty="0"/>
-              <a:t> </a:t>
-            </a:r>
-            <a:r>
-              <a:rPr lang="da-DK" dirty="0" err="1"/>
-              <a:t>slowest</a:t>
+              <a:rPr lang="en-US" dirty="0" err="1"/>
+              <a:t>numpy</a:t>
+            </a:r>
+            <a:r>
+              <a:rPr lang="en-US" dirty="0"/>
+              <a:t> defines __all__ but e.g. matplotlib or </a:t>
+            </a:r>
+            <a:r>
+              <a:rPr lang="en-US" dirty="0" err="1"/>
+              <a:t>matplotlib.pyplot</a:t>
+            </a:r>
+            <a:r>
+              <a:rPr lang="en-US" dirty="0"/>
+              <a:t> do not</a:t>
             </a:r>
             <a:endParaRPr lang="da-DK" dirty="0"/>
-          </a:p>
-          <a:p>
-            <a:r>
-              <a:rPr lang="da-DK" dirty="0" err="1"/>
-              <a:t>Could</a:t>
-            </a:r>
-            <a:r>
-              <a:rPr lang="da-DK" dirty="0"/>
-              <a:t> </a:t>
-            </a:r>
-            <a:r>
-              <a:rPr lang="da-DK" dirty="0" err="1"/>
-              <a:t>also</a:t>
-            </a:r>
-            <a:r>
-              <a:rPr lang="da-DK" dirty="0"/>
-              <a:t> </a:t>
-            </a:r>
-            <a:r>
-              <a:rPr lang="da-DK" dirty="0" err="1"/>
-              <a:t>use</a:t>
-            </a:r>
-            <a:r>
-              <a:rPr lang="da-DK" dirty="0"/>
-              <a:t> a </a:t>
-            </a:r>
-            <a:r>
-              <a:rPr lang="da-DK" dirty="0" err="1"/>
-              <a:t>local</a:t>
-            </a:r>
-            <a:r>
-              <a:rPr lang="da-DK" dirty="0"/>
-              <a:t> variable </a:t>
-            </a:r>
-            <a:r>
-              <a:rPr lang="da-DK" dirty="0" err="1"/>
-              <a:t>instead</a:t>
-            </a:r>
-            <a:r>
-              <a:rPr lang="da-DK" dirty="0"/>
-              <a:t> of a </a:t>
-            </a:r>
-            <a:r>
-              <a:rPr lang="da-DK" dirty="0" err="1"/>
-              <a:t>keyword</a:t>
-            </a:r>
-            <a:r>
-              <a:rPr lang="da-DK" dirty="0"/>
-              <a:t> argument. Performance </a:t>
-            </a:r>
-            <a:r>
-              <a:rPr lang="da-DK" dirty="0" err="1"/>
-              <a:t>about</a:t>
-            </a:r>
-            <a:r>
-              <a:rPr lang="da-DK" dirty="0"/>
-              <a:t> the same.</a:t>
-            </a:r>
           </a:p>
         </p:txBody>
       </p:sp>
@@ -1222,7 +1388,7 @@
           <a:p>
             <a:fld id="{CD563DD8-32AB-41BE-B1C6-8EAC45222ACE}" type="slidenum">
               <a:rPr lang="en-US" smtClean="0"/>
-              <a:t>7</a:t>
+              <a:t>6</a:t>
             </a:fld>
             <a:endParaRPr lang="en-US"/>
           </a:p>
@@ -1231,7 +1397,7 @@
     </p:spTree>
     <p:extLst>
       <p:ext uri="{BB962C8B-B14F-4D97-AF65-F5344CB8AC3E}">
-        <p14:creationId xmlns:p14="http://schemas.microsoft.com/office/powerpoint/2010/main" val="3909817890"/>
+        <p14:creationId xmlns:p14="http://schemas.microsoft.com/office/powerpoint/2010/main" val="713392613"/>
       </p:ext>
     </p:extLst>
   </p:cSld>
@@ -1287,71 +1453,75 @@
           <a:p>
             <a:r>
               <a:rPr lang="da-DK" dirty="0" err="1"/>
-              <a:t>Warning</a:t>
+              <a:t>math.sqrt</a:t>
             </a:r>
             <a:r>
               <a:rPr lang="da-DK" dirty="0"/>
-              <a:t>: dir</a:t>
-            </a:r>
-            <a:r>
-              <a:rPr lang="da-DK" baseline="0" dirty="0"/>
-              <a:t> is not </a:t>
-            </a:r>
-            <a:r>
-              <a:rPr lang="da-DK" baseline="0" dirty="0" err="1"/>
-              <a:t>necessarily</a:t>
-            </a:r>
-            <a:r>
-              <a:rPr lang="da-DK" baseline="0" dirty="0"/>
-              <a:t> the </a:t>
-            </a:r>
-            <a:r>
-              <a:rPr lang="da-DK" baseline="0" dirty="0" err="1"/>
-              <a:t>full</a:t>
-            </a:r>
-            <a:r>
-              <a:rPr lang="da-DK" baseline="0" dirty="0"/>
-              <a:t> list – it is just </a:t>
-            </a:r>
-            <a:r>
-              <a:rPr lang="da-DK" baseline="0" dirty="0" err="1"/>
-              <a:t>trying</a:t>
-            </a:r>
-            <a:r>
-              <a:rPr lang="da-DK" baseline="0" dirty="0"/>
-              <a:t> to generate a </a:t>
-            </a:r>
-            <a:r>
-              <a:rPr lang="da-DK" baseline="0" dirty="0" err="1"/>
-              <a:t>meaningfull</a:t>
-            </a:r>
-            <a:r>
-              <a:rPr lang="da-DK" baseline="0" dirty="0"/>
-              <a:t> list; </a:t>
-            </a:r>
-            <a:r>
-              <a:rPr lang="da-DK" baseline="0" dirty="0" err="1"/>
-              <a:t>technically</a:t>
-            </a:r>
-            <a:r>
-              <a:rPr lang="da-DK" baseline="0" dirty="0"/>
-              <a:t> it</a:t>
-            </a:r>
+              <a:t> </a:t>
+            </a:r>
+            <a:r>
+              <a:rPr lang="da-DK" dirty="0" err="1"/>
+              <a:t>slowest</a:t>
+            </a:r>
+            <a:endParaRPr lang="da-DK" dirty="0"/>
           </a:p>
           <a:p>
             <a:r>
-              <a:rPr lang="da-DK" baseline="0" dirty="0" err="1"/>
-              <a:t>calls</a:t>
-            </a:r>
-            <a:r>
-              <a:rPr lang="da-DK" baseline="0" dirty="0"/>
-              <a:t> the __dir__ </a:t>
-            </a:r>
-            <a:r>
-              <a:rPr lang="da-DK" baseline="0" dirty="0" err="1"/>
-              <a:t>method</a:t>
-            </a:r>
-            <a:endParaRPr lang="en-US" dirty="0"/>
+              <a:rPr lang="da-DK" dirty="0" err="1"/>
+              <a:t>Could</a:t>
+            </a:r>
+            <a:r>
+              <a:rPr lang="da-DK" dirty="0"/>
+              <a:t> </a:t>
+            </a:r>
+            <a:r>
+              <a:rPr lang="da-DK" dirty="0" err="1"/>
+              <a:t>also</a:t>
+            </a:r>
+            <a:r>
+              <a:rPr lang="da-DK" dirty="0"/>
+              <a:t> </a:t>
+            </a:r>
+            <a:r>
+              <a:rPr lang="da-DK" dirty="0" err="1"/>
+              <a:t>use</a:t>
+            </a:r>
+            <a:r>
+              <a:rPr lang="da-DK" dirty="0"/>
+              <a:t> a </a:t>
+            </a:r>
+            <a:r>
+              <a:rPr lang="da-DK" dirty="0" err="1"/>
+              <a:t>local</a:t>
+            </a:r>
+            <a:r>
+              <a:rPr lang="da-DK" dirty="0"/>
+              <a:t> variable </a:t>
+            </a:r>
+            <a:r>
+              <a:rPr lang="da-DK" dirty="0" err="1"/>
+              <a:t>instead</a:t>
+            </a:r>
+            <a:r>
+              <a:rPr lang="da-DK" dirty="0"/>
+              <a:t> of a </a:t>
+            </a:r>
+            <a:r>
+              <a:rPr lang="da-DK" dirty="0" err="1"/>
+              <a:t>keyword</a:t>
+            </a:r>
+            <a:r>
+              <a:rPr lang="da-DK" dirty="0"/>
+              <a:t> argument. Performance </a:t>
+            </a:r>
+            <a:r>
+              <a:rPr lang="da-DK" dirty="0" err="1"/>
+              <a:t>about</a:t>
+            </a:r>
+            <a:r>
+              <a:rPr lang="da-DK" dirty="0"/>
+              <a:t> the same.</a:t>
+            </a:r>
           </a:p>
         </p:txBody>
       </p:sp>
@@ -1362,7 +1532,7 @@
             <a:spLocks noGrp="1"/>
           </p:cNvSpPr>
           <p:nvPr>
-            <p:ph type="sldNum" sz="quarter" idx="10"/>
+            <p:ph type="sldNum" sz="quarter" idx="5"/>
           </p:nvPr>
         </p:nvSpPr>
         <p:spPr/>
@@ -1372,7 +1542,7 @@
           <a:p>
             <a:fld id="{CD563DD8-32AB-41BE-B1C6-8EAC45222ACE}" type="slidenum">
               <a:rPr lang="en-US" smtClean="0"/>
-              <a:t>8</a:t>
+              <a:t>7</a:t>
             </a:fld>
             <a:endParaRPr lang="en-US"/>
           </a:p>
@@ -1381,7 +1551,7 @@
     </p:spTree>
     <p:extLst>
       <p:ext uri="{BB962C8B-B14F-4D97-AF65-F5344CB8AC3E}">
-        <p14:creationId xmlns:p14="http://schemas.microsoft.com/office/powerpoint/2010/main" val="2900961084"/>
+        <p14:creationId xmlns:p14="http://schemas.microsoft.com/office/powerpoint/2010/main" val="3909817890"/>
       </p:ext>
     </p:extLst>
   </p:cSld>
@@ -1437,40 +1607,106 @@
           <a:p>
             <a:r>
               <a:rPr lang="da-DK" dirty="0" err="1"/>
-              <a:t>Why</a:t>
+              <a:t>Warning</a:t>
             </a:r>
             <a:r>
               <a:rPr lang="da-DK" dirty="0"/>
-              <a:t> double-\</a:t>
+              <a:t>: dir</a:t>
             </a:r>
             <a:r>
               <a:rPr lang="da-DK" baseline="0" dirty="0"/>
-              <a:t> (</a:t>
+              <a:t> is not </a:t>
             </a:r>
             <a:r>
               <a:rPr lang="da-DK" baseline="0" dirty="0" err="1"/>
-              <a:t>since</a:t>
+              <a:t>necessarily</a:t>
             </a:r>
             <a:r>
               <a:rPr lang="da-DK" baseline="0" dirty="0"/>
-              <a:t> </a:t>
+              <a:t> the </a:t>
             </a:r>
             <a:r>
               <a:rPr lang="da-DK" baseline="0" dirty="0" err="1"/>
-              <a:t>Python</a:t>
+              <a:t>full</a:t>
             </a:r>
             <a:r>
               <a:rPr lang="da-DK" baseline="0" dirty="0"/>
-              <a:t> </a:t>
+              <a:t> list – it is just </a:t>
             </a:r>
             <a:r>
               <a:rPr lang="da-DK" baseline="0" dirty="0" err="1"/>
-              <a:t>string</a:t>
+              <a:t>trying</a:t>
             </a:r>
             <a:r>
               <a:rPr lang="da-DK" baseline="0" dirty="0"/>
-              <a:t>)</a:t>
-            </a:r>
+              <a:t> to generate a </a:t>
+            </a:r>
+            <a:r>
+              <a:rPr lang="da-DK" baseline="0" dirty="0" err="1"/>
+              <a:t>meaningfull</a:t>
+            </a:r>
+            <a:r>
+              <a:rPr lang="da-DK" baseline="0" dirty="0"/>
+              <a:t> list; </a:t>
+            </a:r>
+            <a:r>
+              <a:rPr lang="da-DK" baseline="0" dirty="0" err="1"/>
+              <a:t>technically</a:t>
+            </a:r>
+            <a:r>
+              <a:rPr lang="da-DK" baseline="0" dirty="0"/>
+              <a:t> it</a:t>
+            </a:r>
+          </a:p>
+          <a:p>
+            <a:r>
+              <a:rPr lang="da-DK" baseline="0" dirty="0" err="1"/>
+              <a:t>calls</a:t>
+            </a:r>
+            <a:r>
+              <a:rPr lang="da-DK" baseline="0" dirty="0"/>
+              <a:t> the __dir__ </a:t>
+            </a:r>
+            <a:r>
+              <a:rPr lang="da-DK" baseline="0" dirty="0" err="1"/>
+              <a:t>method</a:t>
+            </a:r>
+            <a:endParaRPr lang="da-DK" baseline="0" dirty="0"/>
+          </a:p>
+          <a:p>
+            <a:endParaRPr lang="da-DK" baseline="0" dirty="0"/>
+          </a:p>
+          <a:p>
+            <a:r>
+              <a:rPr lang="en-US" dirty="0"/>
+              <a:t>set(</a:t>
+            </a:r>
+            <a:r>
+              <a:rPr lang="en-US" dirty="0" err="1"/>
+              <a:t>numpy</a:t>
+            </a:r>
+            <a:r>
+              <a:rPr lang="en-US" dirty="0"/>
+              <a:t>.__</a:t>
+            </a:r>
+            <a:r>
+              <a:rPr lang="en-US" dirty="0" err="1"/>
+              <a:t>dir</a:t>
+            </a:r>
+            <a:r>
+              <a:rPr lang="en-US" dirty="0"/>
+              <a:t>__()) - set(</a:t>
+            </a:r>
+            <a:r>
+              <a:rPr lang="en-US" dirty="0" err="1"/>
+              <a:t>numpy</a:t>
+            </a:r>
+            <a:r>
+              <a:rPr lang="en-US" dirty="0"/>
+              <a:t>.__all__)</a:t>
+            </a:r>
+          </a:p>
+          <a:p>
             <a:endParaRPr lang="en-US" dirty="0"/>
           </a:p>
         </p:txBody>
@@ -1492,7 +1728,7 @@
           <a:p>
             <a:fld id="{CD563DD8-32AB-41BE-B1C6-8EAC45222ACE}" type="slidenum">
               <a:rPr lang="en-US" smtClean="0"/>
-              <a:t>15</a:t>
+              <a:t>8</a:t>
             </a:fld>
             <a:endParaRPr lang="en-US"/>
           </a:p>
@@ -1501,7 +1737,7 @@
     </p:spTree>
     <p:extLst>
       <p:ext uri="{BB962C8B-B14F-4D97-AF65-F5344CB8AC3E}">
-        <p14:creationId xmlns:p14="http://schemas.microsoft.com/office/powerpoint/2010/main" val="1198243163"/>
+        <p14:creationId xmlns:p14="http://schemas.microsoft.com/office/powerpoint/2010/main" val="2900961084"/>
       </p:ext>
     </p:extLst>
   </p:cSld>
@@ -1612,7 +1848,7 @@
           <a:p>
             <a:fld id="{CD563DD8-32AB-41BE-B1C6-8EAC45222ACE}" type="slidenum">
               <a:rPr lang="en-US" smtClean="0"/>
-              <a:t>16</a:t>
+              <a:t>15</a:t>
             </a:fld>
             <a:endParaRPr lang="en-US"/>
           </a:p>
@@ -1621,7 +1857,7 @@
     </p:spTree>
     <p:extLst>
       <p:ext uri="{BB962C8B-B14F-4D97-AF65-F5344CB8AC3E}">
-        <p14:creationId xmlns:p14="http://schemas.microsoft.com/office/powerpoint/2010/main" val="1089724211"/>
+        <p14:creationId xmlns:p14="http://schemas.microsoft.com/office/powerpoint/2010/main" val="1198243163"/>
       </p:ext>
     </p:extLst>
   </p:cSld>
@@ -1675,14 +1911,6 @@
           <a:bodyPr/>
           <a:lstStyle/>
           <a:p>
-            <a:r>
-              <a:rPr lang="en-US" dirty="0"/>
-              <a:t>Used by</a:t>
-            </a:r>
-            <a:r>
-              <a:rPr lang="en-US" baseline="0" dirty="0"/>
-              <a:t> scheduling exercise</a:t>
-            </a:r>
             <a:endParaRPr lang="en-US" dirty="0"/>
           </a:p>
         </p:txBody>
@@ -1704,7 +1932,7 @@
           <a:p>
             <a:fld id="{CD563DD8-32AB-41BE-B1C6-8EAC45222ACE}" type="slidenum">
               <a:rPr lang="en-US" smtClean="0"/>
-              <a:t>18</a:t>
+              <a:t>16</a:t>
             </a:fld>
             <a:endParaRPr lang="en-US"/>
           </a:p>
@@ -1713,7 +1941,7 @@
     </p:spTree>
     <p:extLst>
       <p:ext uri="{BB962C8B-B14F-4D97-AF65-F5344CB8AC3E}">
-        <p14:creationId xmlns:p14="http://schemas.microsoft.com/office/powerpoint/2010/main" val="3645884896"/>
+        <p14:creationId xmlns:p14="http://schemas.microsoft.com/office/powerpoint/2010/main" val="1089724211"/>
       </p:ext>
     </p:extLst>
   </p:cSld>
@@ -1860,7 +2088,7 @@
           <a:p>
             <a:fld id="{0560A9CD-0304-4E0B-9E82-E7E0115DE05B}" type="datetimeFigureOut">
               <a:rPr lang="en-US" smtClean="0"/>
-              <a:t>4/20/2022</a:t>
+              <a:t>4/18/2023</a:t>
             </a:fld>
             <a:endParaRPr lang="en-US"/>
           </a:p>
@@ -2028,7 +2256,7 @@
           <a:p>
             <a:fld id="{0560A9CD-0304-4E0B-9E82-E7E0115DE05B}" type="datetimeFigureOut">
               <a:rPr lang="en-US" smtClean="0"/>
-              <a:t>4/20/2022</a:t>
+              <a:t>4/18/2023</a:t>
             </a:fld>
             <a:endParaRPr lang="en-US"/>
           </a:p>
@@ -2206,7 +2434,7 @@
           <a:p>
             <a:fld id="{0560A9CD-0304-4E0B-9E82-E7E0115DE05B}" type="datetimeFigureOut">
               <a:rPr lang="en-US" smtClean="0"/>
-              <a:t>4/20/2022</a:t>
+              <a:t>4/18/2023</a:t>
             </a:fld>
             <a:endParaRPr lang="en-US"/>
           </a:p>
@@ -2389,7 +2617,7 @@
           <a:p>
             <a:fld id="{0560A9CD-0304-4E0B-9E82-E7E0115DE05B}" type="datetimeFigureOut">
               <a:rPr lang="en-US" smtClean="0"/>
-              <a:t>4/20/2022</a:t>
+              <a:t>4/18/2023</a:t>
             </a:fld>
             <a:endParaRPr lang="en-US"/>
           </a:p>
@@ -2634,7 +2862,7 @@
           <a:p>
             <a:fld id="{0560A9CD-0304-4E0B-9E82-E7E0115DE05B}" type="datetimeFigureOut">
               <a:rPr lang="en-US" smtClean="0"/>
-              <a:t>4/20/2022</a:t>
+              <a:t>4/18/2023</a:t>
             </a:fld>
             <a:endParaRPr lang="en-US"/>
           </a:p>
@@ -2863,7 +3091,7 @@
           <a:p>
             <a:fld id="{0560A9CD-0304-4E0B-9E82-E7E0115DE05B}" type="datetimeFigureOut">
               <a:rPr lang="en-US" smtClean="0"/>
-              <a:t>4/20/2022</a:t>
+              <a:t>4/18/2023</a:t>
             </a:fld>
             <a:endParaRPr lang="en-US"/>
           </a:p>
@@ -3227,7 +3455,7 @@
           <a:p>
             <a:fld id="{0560A9CD-0304-4E0B-9E82-E7E0115DE05B}" type="datetimeFigureOut">
               <a:rPr lang="en-US" smtClean="0"/>
-              <a:t>4/20/2022</a:t>
+              <a:t>4/18/2023</a:t>
             </a:fld>
             <a:endParaRPr lang="en-US"/>
           </a:p>
@@ -3344,7 +3572,7 @@
           <a:p>
             <a:fld id="{0560A9CD-0304-4E0B-9E82-E7E0115DE05B}" type="datetimeFigureOut">
               <a:rPr lang="en-US" smtClean="0"/>
-              <a:t>4/20/2022</a:t>
+              <a:t>4/18/2023</a:t>
             </a:fld>
             <a:endParaRPr lang="en-US"/>
           </a:p>
@@ -3439,7 +3667,7 @@
           <a:p>
             <a:fld id="{0560A9CD-0304-4E0B-9E82-E7E0115DE05B}" type="datetimeFigureOut">
               <a:rPr lang="en-US" smtClean="0"/>
-              <a:t>4/20/2022</a:t>
+              <a:t>4/18/2023</a:t>
             </a:fld>
             <a:endParaRPr lang="en-US"/>
           </a:p>
@@ -3714,7 +3942,7 @@
           <a:p>
             <a:fld id="{0560A9CD-0304-4E0B-9E82-E7E0115DE05B}" type="datetimeFigureOut">
               <a:rPr lang="en-US" smtClean="0"/>
-              <a:t>4/20/2022</a:t>
+              <a:t>4/18/2023</a:t>
             </a:fld>
             <a:endParaRPr lang="en-US"/>
           </a:p>
@@ -3966,7 +4194,7 @@
           <a:p>
             <a:fld id="{0560A9CD-0304-4E0B-9E82-E7E0115DE05B}" type="datetimeFigureOut">
               <a:rPr lang="en-US" smtClean="0"/>
-              <a:t>4/20/2022</a:t>
+              <a:t>4/18/2023</a:t>
             </a:fld>
             <a:endParaRPr lang="en-US"/>
           </a:p>
@@ -4177,7 +4405,7 @@
           <a:p>
             <a:fld id="{0560A9CD-0304-4E0B-9E82-E7E0115DE05B}" type="datetimeFigureOut">
               <a:rPr lang="en-US" smtClean="0"/>
-              <a:t>4/20/2022</a:t>
+              <a:t>4/18/2023</a:t>
             </a:fld>
             <a:endParaRPr lang="en-US"/>
           </a:p>
@@ -8979,7 +9207,12 @@
             <p:ph idx="1"/>
           </p:nvPr>
         </p:nvSpPr>
-        <p:spPr/>
+        <p:spPr>
+          <a:xfrm>
+            <a:off x="838200" y="1825625"/>
+            <a:ext cx="10515600" cy="4351338"/>
+          </a:xfrm>
+        </p:spPr>
         <p:txBody>
           <a:bodyPr/>
           <a:lstStyle/>
@@ -8990,15 +9223,7 @@
             </a:r>
             <a:r>
               <a:rPr lang="da-DK" dirty="0"/>
-              <a:t> </a:t>
-            </a:r>
-            <a:r>
-              <a:rPr lang="da-DK" dirty="0" err="1"/>
-              <a:t>Python</a:t>
-            </a:r>
-            <a:r>
-              <a:rPr lang="da-DK" dirty="0"/>
-              <a:t> </a:t>
+              <a:t> Python </a:t>
             </a:r>
             <a:r>
               <a:rPr lang="da-DK" dirty="0" err="1"/>
@@ -9119,7 +9344,7 @@
             </a:r>
             <a:r>
               <a:rPr lang="da-DK" dirty="0"/>
-              <a:t>folder. </a:t>
+              <a:t>folder.</a:t>
             </a:r>
           </a:p>
           <a:p>
@@ -9260,7 +9485,7 @@
             </a:r>
             <a:r>
               <a:rPr lang="da-DK" dirty="0"/>
-              <a:t> faster).</a:t>
+              <a:t> faster)</a:t>
             </a:r>
           </a:p>
           <a:p>
@@ -9274,15 +9499,7 @@
             </a:r>
             <a:r>
               <a:rPr lang="da-DK" dirty="0"/>
-              <a:t> to </a:t>
-            </a:r>
-            <a:r>
-              <a:rPr lang="da-DK" dirty="0" err="1"/>
-              <a:t>delete</a:t>
-            </a:r>
-            <a:r>
-              <a:rPr lang="da-DK" dirty="0"/>
-              <a:t> the </a:t>
+              <a:t> to delete the </a:t>
             </a:r>
             <a:r>
               <a:rPr lang="da-DK" dirty="0">
@@ -9388,12 +9605,6 @@
                 <a:cs typeface="Courier New" panose="02070309020205020404" pitchFamily="49" charset="0"/>
               </a:rPr>
               <a:t>loaded</a:t>
-            </a:r>
-            <a:r>
-              <a:rPr lang="da-DK" dirty="0">
-                <a:cs typeface="Courier New" panose="02070309020205020404" pitchFamily="49" charset="0"/>
-              </a:rPr>
-              <a:t>.</a:t>
             </a:r>
             <a:endParaRPr lang="da-DK" dirty="0"/>
           </a:p>
@@ -13974,7 +14185,7 @@
             </a:r>
             <a:r>
               <a:rPr lang="da-DK" dirty="0"/>
-              <a:t> of the +350.000 </a:t>
+              <a:t> of the +400.000 </a:t>
             </a:r>
             <a:r>
               <a:rPr lang="da-DK" dirty="0" err="1"/>
@@ -14520,6 +14731,77 @@
           </a:prstGeom>
         </p:spPr>
       </p:pic>
+      <p:sp>
+        <p:nvSpPr>
+          <p:cNvPr id="3" name="Rectangle 2">
+            <a:extLst>
+              <a:ext uri="{FF2B5EF4-FFF2-40B4-BE49-F238E27FC236}">
+                <a16:creationId xmlns:a16="http://schemas.microsoft.com/office/drawing/2014/main" id="{82E1DB06-B049-075A-BA23-D831E3274BDD}"/>
+              </a:ext>
+            </a:extLst>
+          </p:cNvPr>
+          <p:cNvSpPr/>
+          <p:nvPr/>
+        </p:nvSpPr>
+        <p:spPr>
+          <a:xfrm>
+            <a:off x="104172" y="6438451"/>
+            <a:ext cx="7680831" cy="369332"/>
+          </a:xfrm>
+          <a:prstGeom prst="rect">
+            <a:avLst/>
+          </a:prstGeom>
+        </p:spPr>
+        <p:txBody>
+          <a:bodyPr wrap="square">
+            <a:spAutoFit/>
+          </a:bodyPr>
+          <a:lstStyle/>
+          <a:p>
+            <a:r>
+              <a:rPr lang="en-US" dirty="0">
+                <a:solidFill>
+                  <a:schemeClr val="bg1">
+                    <a:lumMod val="50000"/>
+                  </a:schemeClr>
+                </a:solidFill>
+                <a:hlinkClick r:id="rId4"/>
+              </a:rPr>
+              <a:t>J. W. J. Williams. </a:t>
+            </a:r>
+            <a:r>
+              <a:rPr lang="en-US" i="1" dirty="0">
+                <a:solidFill>
+                  <a:schemeClr val="bg1">
+                    <a:lumMod val="50000"/>
+                  </a:schemeClr>
+                </a:solidFill>
+                <a:hlinkClick r:id="rId4"/>
+              </a:rPr>
+              <a:t>Algorithm 232: Heapsort</a:t>
+            </a:r>
+            <a:r>
+              <a:rPr lang="en-US" dirty="0">
+                <a:solidFill>
+                  <a:schemeClr val="bg1">
+                    <a:lumMod val="50000"/>
+                  </a:schemeClr>
+                </a:solidFill>
+                <a:hlinkClick r:id="rId4"/>
+              </a:rPr>
+              <a:t>. Communications of the ACM (1964)</a:t>
+            </a:r>
+            <a:endParaRPr lang="en-US" dirty="0">
+              <a:solidFill>
+                <a:schemeClr val="bg1">
+                  <a:lumMod val="50000"/>
+                </a:schemeClr>
+              </a:solidFill>
+              <a:effectLst/>
+            </a:endParaRPr>
+          </a:p>
+        </p:txBody>
+      </p:sp>
     </p:spTree>
     <p:extLst>
       <p:ext uri="{BB962C8B-B14F-4D97-AF65-F5344CB8AC3E}">
@@ -14559,7 +14841,7 @@
           <p:nvPr>
             <p:extLst>
               <p:ext uri="{D42A27DB-BD31-4B8C-83A1-F6EECF244321}">
-                <p14:modId xmlns:p14="http://schemas.microsoft.com/office/powerpoint/2010/main" val="2849028913"/>
+                <p14:modId xmlns:p14="http://schemas.microsoft.com/office/powerpoint/2010/main" val="824641132"/>
               </p:ext>
             </p:extLst>
           </p:nvPr>
@@ -14766,7 +15048,17 @@
                           <a:latin typeface="Courier New" panose="02070309020205020404" pitchFamily="49" charset="0"/>
                           <a:cs typeface="Courier New" panose="02070309020205020404" pitchFamily="49" charset="0"/>
                         </a:rPr>
-                        <a:t>import heapq</a:t>
+                        <a:t>import </a:t>
+                      </a:r>
+                      <a:r>
+                        <a:rPr lang="pt-BR" sz="1600" b="1" dirty="0">
+                          <a:solidFill>
+                            <a:srgbClr val="C00000"/>
+                          </a:solidFill>
+                          <a:latin typeface="Courier New" panose="02070309020205020404" pitchFamily="49" charset="0"/>
+                          <a:cs typeface="Courier New" panose="02070309020205020404" pitchFamily="49" charset="0"/>
+                        </a:rPr>
+                        <a:t>heapq</a:t>
                       </a:r>
                     </a:p>
                     <a:p>
@@ -15155,10 +15447,12 @@
                           <a:latin typeface="Courier New" panose="02070309020205020404" pitchFamily="49" charset="0"/>
                           <a:cs typeface="Courier New" panose="02070309020205020404" pitchFamily="49" charset="0"/>
                         </a:rPr>
-                        <a:t>    L = None  # </a:t>
-                      </a:r>
-                      <a:r>
-                        <a:rPr lang="pt-BR" sz="1600" b="1">
+                        <a:t>    L = None  # avoid MemoryError</a:t>
+                      </a:r>
+                    </a:p>
+                    <a:p>
+                      <a:r>
+                        <a:rPr lang="pt-BR" sz="1600" b="1" dirty="0">
                           <a:solidFill>
                             <a:schemeClr val="bg1">
                               <a:lumMod val="50000"/>
@@ -15167,17 +15461,8 @@
                           <a:latin typeface="Courier New" panose="02070309020205020404" pitchFamily="49" charset="0"/>
                           <a:cs typeface="Courier New" panose="02070309020205020404" pitchFamily="49" charset="0"/>
                         </a:rPr>
-                        <a:t>avoid MemoryError</a:t>
-                      </a:r>
-                      <a:endParaRPr lang="pt-BR" sz="1600" b="1" dirty="0">
-                        <a:solidFill>
-                          <a:schemeClr val="bg1">
-                            <a:lumMod val="50000"/>
-                          </a:schemeClr>
-                        </a:solidFill>
-                        <a:latin typeface="Courier New" panose="02070309020205020404" pitchFamily="49" charset="0"/>
-                        <a:cs typeface="Courier New" panose="02070309020205020404" pitchFamily="49" charset="0"/>
-                      </a:endParaRPr>
+                        <a:t>    L = [random() for _ in range(n)]</a:t>
+                      </a:r>
                     </a:p>
                     <a:p>
                       <a:r>
@@ -15190,10 +15475,18 @@
                           <a:latin typeface="Courier New" panose="02070309020205020404" pitchFamily="49" charset="0"/>
                           <a:cs typeface="Courier New" panose="02070309020205020404" pitchFamily="49" charset="0"/>
                         </a:rPr>
-                        <a:t>    L = [random() for _ in range(n)]</a:t>
-                      </a:r>
-                    </a:p>
-                    <a:p>
+                        <a:t>    </a:t>
+                      </a:r>
+                      <a:r>
+                        <a:rPr lang="pt-BR" sz="1600" b="1" dirty="0">
+                          <a:solidFill>
+                            <a:srgbClr val="C00000"/>
+                          </a:solidFill>
+                          <a:latin typeface="Courier New" panose="02070309020205020404" pitchFamily="49" charset="0"/>
+                          <a:cs typeface="Courier New" panose="02070309020205020404" pitchFamily="49" charset="0"/>
+                        </a:rPr>
+                        <a:t>heapq.heapify(L)  </a:t>
+                      </a:r>
                       <a:r>
                         <a:rPr lang="pt-BR" sz="1600" b="1" dirty="0">
                           <a:solidFill>
@@ -15204,18 +15497,10 @@
                           <a:latin typeface="Courier New" panose="02070309020205020404" pitchFamily="49" charset="0"/>
                           <a:cs typeface="Courier New" panose="02070309020205020404" pitchFamily="49" charset="0"/>
                         </a:rPr>
-                        <a:t>    </a:t>
-                      </a:r>
-                      <a:r>
-                        <a:rPr lang="pt-BR" sz="1600" b="1" dirty="0">
-                          <a:solidFill>
-                            <a:srgbClr val="FF0000"/>
-                          </a:solidFill>
-                          <a:latin typeface="Courier New" panose="02070309020205020404" pitchFamily="49" charset="0"/>
-                          <a:cs typeface="Courier New" panose="02070309020205020404" pitchFamily="49" charset="0"/>
-                        </a:rPr>
-                        <a:t>heapq.heapify(L)  </a:t>
-                      </a:r>
+                        <a:t># make L a legal heap</a:t>
+                      </a:r>
+                    </a:p>
+                    <a:p>
                       <a:r>
                         <a:rPr lang="pt-BR" sz="1600" b="1" dirty="0">
                           <a:solidFill>
@@ -15226,7 +15511,7 @@
                           <a:latin typeface="Courier New" panose="02070309020205020404" pitchFamily="49" charset="0"/>
                           <a:cs typeface="Courier New" panose="02070309020205020404" pitchFamily="49" charset="0"/>
                         </a:rPr>
-                        <a:t># make L a legal heap</a:t>
+                        <a:t>    gc.collect()</a:t>
                       </a:r>
                     </a:p>
                     <a:p>
@@ -15240,7 +15525,7 @@
                           <a:latin typeface="Courier New" panose="02070309020205020404" pitchFamily="49" charset="0"/>
                           <a:cs typeface="Courier New" panose="02070309020205020404" pitchFamily="49" charset="0"/>
                         </a:rPr>
-                        <a:t>    gc.collect()</a:t>
+                        <a:t>    start = time()</a:t>
                       </a:r>
                     </a:p>
                     <a:p>
@@ -15254,7 +15539,7 @@
                           <a:latin typeface="Courier New" panose="02070309020205020404" pitchFamily="49" charset="0"/>
                           <a:cs typeface="Courier New" panose="02070309020205020404" pitchFamily="49" charset="0"/>
                         </a:rPr>
-                        <a:t>    start = time()</a:t>
+                        <a:t>    for _ in range(100000):</a:t>
                       </a:r>
                     </a:p>
                     <a:p>
@@ -15268,38 +15553,24 @@
                           <a:latin typeface="Courier New" panose="02070309020205020404" pitchFamily="49" charset="0"/>
                           <a:cs typeface="Courier New" panose="02070309020205020404" pitchFamily="49" charset="0"/>
                         </a:rPr>
-                        <a:t>    for _ in range(100000):</a:t>
-                      </a:r>
-                    </a:p>
-                    <a:p>
+                        <a:t>        </a:t>
+                      </a:r>
                       <a:r>
                         <a:rPr lang="pt-BR" sz="1600" b="1" dirty="0">
                           <a:solidFill>
-                            <a:schemeClr val="bg1">
-                              <a:lumMod val="50000"/>
-                            </a:schemeClr>
-                          </a:solidFill>
-                          <a:latin typeface="Courier New" panose="02070309020205020404" pitchFamily="49" charset="0"/>
-                          <a:cs typeface="Courier New" panose="02070309020205020404" pitchFamily="49" charset="0"/>
-                        </a:rPr>
-                        <a:t>        </a:t>
-                      </a:r>
+                            <a:srgbClr val="C00000"/>
+                          </a:solidFill>
+                          <a:latin typeface="Courier New" panose="02070309020205020404" pitchFamily="49" charset="0"/>
+                          <a:cs typeface="Courier New" panose="02070309020205020404" pitchFamily="49" charset="0"/>
+                        </a:rPr>
+                        <a:t>heapq.heappush(L, random())</a:t>
+                      </a:r>
+                    </a:p>
+                    <a:p>
                       <a:r>
                         <a:rPr lang="pt-BR" sz="1600" b="1" dirty="0">
                           <a:solidFill>
-                            <a:srgbClr val="FF0000"/>
-                          </a:solidFill>
-                          <a:latin typeface="Courier New" panose="02070309020205020404" pitchFamily="49" charset="0"/>
-                          <a:cs typeface="Courier New" panose="02070309020205020404" pitchFamily="49" charset="0"/>
-                        </a:rPr>
-                        <a:t>heapq.heappush(L, random())</a:t>
-                      </a:r>
-                    </a:p>
-                    <a:p>
-                      <a:r>
-                        <a:rPr lang="pt-BR" sz="1600" b="1" dirty="0">
-                          <a:solidFill>
-                            <a:srgbClr val="FF0000"/>
+                            <a:srgbClr val="C00000"/>
                           </a:solidFill>
                           <a:latin typeface="Courier New" panose="02070309020205020404" pitchFamily="49" charset="0"/>
                           <a:cs typeface="Courier New" panose="02070309020205020404" pitchFamily="49" charset="0"/>
@@ -20523,7 +20794,7 @@
           <p:nvPr>
             <p:extLst>
               <p:ext uri="{D42A27DB-BD31-4B8C-83A1-F6EECF244321}">
-                <p14:modId xmlns:p14="http://schemas.microsoft.com/office/powerpoint/2010/main" val="2208327622"/>
+                <p14:modId xmlns:p14="http://schemas.microsoft.com/office/powerpoint/2010/main" val="2292943648"/>
               </p:ext>
             </p:extLst>
           </p:nvPr>
@@ -21069,7 +21340,68 @@
                           <a:latin typeface="Courier New" panose="02070309020205020404" pitchFamily="49" charset="0"/>
                           <a:cs typeface="Courier New" panose="02070309020205020404" pitchFamily="49" charset="0"/>
                         </a:rPr>
-                        <a:t> \  </a:t>
+                        <a:t> \</a:t>
+                      </a:r>
+                      <a:br>
+                        <a:rPr lang="pt-BR" sz="1400" b="1" dirty="0">
+                          <a:latin typeface="Courier New" panose="02070309020205020404" pitchFamily="49" charset="0"/>
+                          <a:cs typeface="Courier New" panose="02070309020205020404" pitchFamily="49" charset="0"/>
+                        </a:rPr>
+                      </a:br>
+                      <a:r>
+                        <a:rPr lang="pt-BR" sz="1400" b="1" dirty="0">
+                          <a:latin typeface="Courier New" panose="02070309020205020404" pitchFamily="49" charset="0"/>
+                          <a:cs typeface="Courier New" panose="02070309020205020404" pitchFamily="49" charset="0"/>
+                        </a:rPr>
+                        <a:t>                 </a:t>
+                      </a:r>
+                      <a:r>
+                        <a:rPr lang="pt-BR" sz="1400" b="1" dirty="0">
+                          <a:solidFill>
+                            <a:schemeClr val="accent1">
+                              <a:lumMod val="50000"/>
+                            </a:schemeClr>
+                          </a:solidFill>
+                          <a:latin typeface="Courier New" panose="02070309020205020404" pitchFamily="49" charset="0"/>
+                          <a:cs typeface="Courier New" panose="02070309020205020404" pitchFamily="49" charset="0"/>
+                        </a:rPr>
+                        <a:t>log</a:t>
+                      </a:r>
+                      <a:r>
+                        <a:rPr lang="pt-BR" sz="1400" b="1" dirty="0">
+                          <a:latin typeface="Courier New" panose="02070309020205020404" pitchFamily="49" charset="0"/>
+                          <a:cs typeface="Courier New" panose="02070309020205020404" pitchFamily="49" charset="0"/>
+                        </a:rPr>
+                        <a:t> </a:t>
+                      </a:r>
+                      <a:r>
+                        <a:rPr lang="pt-BR" sz="1400" b="1" dirty="0">
+                          <a:solidFill>
+                            <a:srgbClr val="C00000"/>
+                          </a:solidFill>
+                          <a:latin typeface="Courier New" panose="02070309020205020404" pitchFamily="49" charset="0"/>
+                          <a:cs typeface="Courier New" panose="02070309020205020404" pitchFamily="49" charset="0"/>
+                        </a:rPr>
+                        <a:t>as</a:t>
+                      </a:r>
+                      <a:r>
+                        <a:rPr lang="pt-BR" sz="1400" b="1" dirty="0">
+                          <a:latin typeface="Courier New" panose="02070309020205020404" pitchFamily="49" charset="0"/>
+                          <a:cs typeface="Courier New" panose="02070309020205020404" pitchFamily="49" charset="0"/>
+                        </a:rPr>
+                        <a:t> </a:t>
+                      </a:r>
+                      <a:r>
+                        <a:rPr lang="pt-BR" sz="1400" b="1" dirty="0">
+                          <a:solidFill>
+                            <a:schemeClr val="accent1">
+                              <a:lumMod val="50000"/>
+                            </a:schemeClr>
+                          </a:solidFill>
+                          <a:latin typeface="Courier New" panose="02070309020205020404" pitchFamily="49" charset="0"/>
+                          <a:cs typeface="Courier New" panose="02070309020205020404" pitchFamily="49" charset="0"/>
+                        </a:rPr>
+                        <a:t>logaritme  </a:t>
                       </a:r>
                       <a:r>
                         <a:rPr lang="pt-BR" sz="1400" b="1" dirty="0">
@@ -21094,67 +21426,6 @@
                           <a:cs typeface="Courier New" panose="02070309020205020404" pitchFamily="49" charset="0"/>
                         </a:rPr>
                         <a:t> multiple lines</a:t>
-                      </a:r>
-                      <a:br>
-                        <a:rPr lang="pt-BR" sz="1400" b="1" dirty="0">
-                          <a:latin typeface="Courier New" panose="02070309020205020404" pitchFamily="49" charset="0"/>
-                          <a:cs typeface="Courier New" panose="02070309020205020404" pitchFamily="49" charset="0"/>
-                        </a:rPr>
-                      </a:br>
-                      <a:r>
-                        <a:rPr lang="pt-BR" sz="1400" b="1" dirty="0">
-                          <a:latin typeface="Courier New" panose="02070309020205020404" pitchFamily="49" charset="0"/>
-                          <a:cs typeface="Courier New" panose="02070309020205020404" pitchFamily="49" charset="0"/>
-                        </a:rPr>
-                        <a:t>                 </a:t>
-                      </a:r>
-                      <a:r>
-                        <a:rPr lang="pt-BR" sz="1400" b="1" dirty="0">
-                          <a:solidFill>
-                            <a:schemeClr val="accent1">
-                              <a:lumMod val="50000"/>
-                            </a:schemeClr>
-                          </a:solidFill>
-                          <a:latin typeface="Courier New" panose="02070309020205020404" pitchFamily="49" charset="0"/>
-                          <a:cs typeface="Courier New" panose="02070309020205020404" pitchFamily="49" charset="0"/>
-                        </a:rPr>
-                        <a:t>log</a:t>
-                      </a:r>
-                      <a:r>
-                        <a:rPr lang="pt-BR" sz="1400" b="1" dirty="0">
-                          <a:latin typeface="Courier New" panose="02070309020205020404" pitchFamily="49" charset="0"/>
-                          <a:cs typeface="Courier New" panose="02070309020205020404" pitchFamily="49" charset="0"/>
-                        </a:rPr>
-                        <a:t> </a:t>
-                      </a:r>
-                      <a:r>
-                        <a:rPr lang="pt-BR" sz="1400" b="1" dirty="0">
-                          <a:solidFill>
-                            <a:srgbClr val="C00000"/>
-                          </a:solidFill>
-                          <a:latin typeface="Courier New" panose="02070309020205020404" pitchFamily="49" charset="0"/>
-                          <a:cs typeface="Courier New" panose="02070309020205020404" pitchFamily="49" charset="0"/>
-                        </a:rPr>
-                        <a:t>as</a:t>
-                      </a:r>
-                      <a:r>
-                        <a:rPr lang="pt-BR" sz="1400" b="1" dirty="0">
-                          <a:latin typeface="Courier New" panose="02070309020205020404" pitchFamily="49" charset="0"/>
-                          <a:cs typeface="Courier New" panose="02070309020205020404" pitchFamily="49" charset="0"/>
-                        </a:rPr>
-                        <a:t> </a:t>
-                      </a:r>
-                      <a:r>
-                        <a:rPr lang="pt-BR" sz="1400" b="1" dirty="0">
-                          <a:solidFill>
-                            <a:schemeClr val="accent1">
-                              <a:lumMod val="50000"/>
-                            </a:schemeClr>
-                          </a:solidFill>
-                          <a:latin typeface="Courier New" panose="02070309020205020404" pitchFamily="49" charset="0"/>
-                          <a:cs typeface="Courier New" panose="02070309020205020404" pitchFamily="49" charset="0"/>
-                        </a:rPr>
-                        <a:t>logaritme</a:t>
                       </a:r>
                       <a:br>
                         <a:rPr lang="pt-BR" sz="1400" b="1" dirty="0">
@@ -22672,7 +22943,7 @@
           <p:nvPr/>
         </p:nvPicPr>
         <p:blipFill>
-          <a:blip r:embed="rId2" cstate="print">
+          <a:blip r:embed="rId3" cstate="print">
             <a:extLst>
               <a:ext uri="{28A0092B-C50C-407E-A947-70E740481C1C}">
                 <a14:useLocalDpi xmlns:a14="http://schemas.microsoft.com/office/drawing/2010/main" val="0"/>

--- a/ipsa/slides/modules.pptx
+++ b/ipsa/slides/modules.pptx
@@ -138,7 +138,7 @@
 <file path=ppt/revisionInfo.xml><?xml version="1.0" encoding="utf-8"?>
 <p1510:revInfo xmlns:a="http://schemas.openxmlformats.org/drawingml/2006/main" xmlns:r="http://schemas.openxmlformats.org/officeDocument/2006/relationships" xmlns:p1510="http://schemas.microsoft.com/office/powerpoint/2015/10/main">
   <p1510:revLst>
-    <p1510:client id="{A080D9BA-16EC-4AEE-988E-46CF3D7B74AC}" v="5" dt="2023-04-18T19:54:24.241"/>
+    <p1510:client id="{A080D9BA-16EC-4AEE-988E-46CF3D7B74AC}" v="6" dt="2023-04-24T05:46:10.948"/>
   </p1510:revLst>
 </p1510:revInfo>
 </file>
@@ -303,18 +303,18 @@
   <pc:docChgLst>
     <pc:chgData name="Gerth Stølting Brodal" userId="04ef4784-6591-4f86-a140-f5c3b108582a" providerId="ADAL" clId="{A080D9BA-16EC-4AEE-988E-46CF3D7B74AC}"/>
     <pc:docChg chg="undo custSel modSld">
-      <pc:chgData name="Gerth Stølting Brodal" userId="04ef4784-6591-4f86-a140-f5c3b108582a" providerId="ADAL" clId="{A080D9BA-16EC-4AEE-988E-46CF3D7B74AC}" dt="2023-04-18T20:01:49.852" v="142" actId="207"/>
+      <pc:chgData name="Gerth Stølting Brodal" userId="04ef4784-6591-4f86-a140-f5c3b108582a" providerId="ADAL" clId="{A080D9BA-16EC-4AEE-988E-46CF3D7B74AC}" dt="2023-04-24T06:10:52.544" v="211" actId="114"/>
       <pc:docMkLst>
         <pc:docMk/>
       </pc:docMkLst>
       <pc:sldChg chg="modSp mod modNotesTx">
-        <pc:chgData name="Gerth Stølting Brodal" userId="04ef4784-6591-4f86-a140-f5c3b108582a" providerId="ADAL" clId="{A080D9BA-16EC-4AEE-988E-46CF3D7B74AC}" dt="2023-04-18T19:10:38.073" v="28" actId="1076"/>
+        <pc:chgData name="Gerth Stølting Brodal" userId="04ef4784-6591-4f86-a140-f5c3b108582a" providerId="ADAL" clId="{A080D9BA-16EC-4AEE-988E-46CF3D7B74AC}" dt="2023-04-24T05:58:35.054" v="192" actId="313"/>
         <pc:sldMkLst>
           <pc:docMk/>
           <pc:sldMk cId="1591653014" sldId="466"/>
         </pc:sldMkLst>
         <pc:spChg chg="mod">
-          <ac:chgData name="Gerth Stølting Brodal" userId="04ef4784-6591-4f86-a140-f5c3b108582a" providerId="ADAL" clId="{A080D9BA-16EC-4AEE-988E-46CF3D7B74AC}" dt="2023-04-18T19:10:38.073" v="28" actId="1076"/>
+          <ac:chgData name="Gerth Stølting Brodal" userId="04ef4784-6591-4f86-a140-f5c3b108582a" providerId="ADAL" clId="{A080D9BA-16EC-4AEE-988E-46CF3D7B74AC}" dt="2023-04-24T05:58:33.232" v="190" actId="313"/>
           <ac:spMkLst>
             <pc:docMk/>
             <pc:sldMk cId="1591653014" sldId="466"/>
@@ -323,7 +323,37 @@
         </pc:spChg>
       </pc:sldChg>
       <pc:sldChg chg="modSp mod">
-        <pc:chgData name="Gerth Stølting Brodal" userId="04ef4784-6591-4f86-a140-f5c3b108582a" providerId="ADAL" clId="{A080D9BA-16EC-4AEE-988E-46CF3D7B74AC}" dt="2023-04-18T19:17:52.404" v="40"/>
+        <pc:chgData name="Gerth Stølting Brodal" userId="04ef4784-6591-4f86-a140-f5c3b108582a" providerId="ADAL" clId="{A080D9BA-16EC-4AEE-988E-46CF3D7B74AC}" dt="2023-04-24T06:10:52.544" v="211" actId="114"/>
+        <pc:sldMkLst>
+          <pc:docMk/>
+          <pc:sldMk cId="3341382760" sldId="660"/>
+        </pc:sldMkLst>
+        <pc:spChg chg="mod">
+          <ac:chgData name="Gerth Stølting Brodal" userId="04ef4784-6591-4f86-a140-f5c3b108582a" providerId="ADAL" clId="{A080D9BA-16EC-4AEE-988E-46CF3D7B74AC}" dt="2023-04-24T06:10:52.544" v="211" actId="114"/>
+          <ac:spMkLst>
+            <pc:docMk/>
+            <pc:sldMk cId="3341382760" sldId="660"/>
+            <ac:spMk id="3" creationId="{00000000-0000-0000-0000-000000000000}"/>
+          </ac:spMkLst>
+        </pc:spChg>
+      </pc:sldChg>
+      <pc:sldChg chg="modSp mod">
+        <pc:chgData name="Gerth Stølting Brodal" userId="04ef4784-6591-4f86-a140-f5c3b108582a" providerId="ADAL" clId="{A080D9BA-16EC-4AEE-988E-46CF3D7B74AC}" dt="2023-04-24T05:59:11.976" v="208" actId="313"/>
+        <pc:sldMkLst>
+          <pc:docMk/>
+          <pc:sldMk cId="1385633794" sldId="737"/>
+        </pc:sldMkLst>
+        <pc:graphicFrameChg chg="modGraphic">
+          <ac:chgData name="Gerth Stølting Brodal" userId="04ef4784-6591-4f86-a140-f5c3b108582a" providerId="ADAL" clId="{A080D9BA-16EC-4AEE-988E-46CF3D7B74AC}" dt="2023-04-24T05:59:11.976" v="208" actId="313"/>
+          <ac:graphicFrameMkLst>
+            <pc:docMk/>
+            <pc:sldMk cId="1385633794" sldId="737"/>
+            <ac:graphicFrameMk id="5" creationId="{00000000-0000-0000-0000-000000000000}"/>
+          </ac:graphicFrameMkLst>
+        </pc:graphicFrameChg>
+      </pc:sldChg>
+      <pc:sldChg chg="addSp modSp mod modNotesTx">
+        <pc:chgData name="Gerth Stølting Brodal" userId="04ef4784-6591-4f86-a140-f5c3b108582a" providerId="ADAL" clId="{A080D9BA-16EC-4AEE-988E-46CF3D7B74AC}" dt="2023-04-24T05:59:27.628" v="210" actId="313"/>
         <pc:sldMkLst>
           <pc:docMk/>
           <pc:sldMk cId="664324381" sldId="771"/>
@@ -336,6 +366,14 @@
             <ac:graphicFrameMk id="6" creationId="{00000000-0000-0000-0000-000000000000}"/>
           </ac:graphicFrameMkLst>
         </pc:graphicFrameChg>
+        <pc:picChg chg="add mod">
+          <ac:chgData name="Gerth Stølting Brodal" userId="04ef4784-6591-4f86-a140-f5c3b108582a" providerId="ADAL" clId="{A080D9BA-16EC-4AEE-988E-46CF3D7B74AC}" dt="2023-04-24T05:46:18.101" v="161" actId="1076"/>
+          <ac:picMkLst>
+            <pc:docMk/>
+            <pc:sldMk cId="664324381" sldId="771"/>
+            <ac:picMk id="4" creationId="{49B87005-3E56-6328-F773-D5DB2C6D4D98}"/>
+          </ac:picMkLst>
+        </pc:picChg>
       </pc:sldChg>
       <pc:sldChg chg="modSp mod">
         <pc:chgData name="Gerth Stølting Brodal" userId="04ef4784-6591-4f86-a140-f5c3b108582a" providerId="ADAL" clId="{A080D9BA-16EC-4AEE-988E-46CF3D7B74AC}" dt="2023-04-18T19:12:47.451" v="33" actId="20577"/>
@@ -367,6 +405,21 @@
         </pc:sldMkLst>
       </pc:sldChg>
       <pc:sldChg chg="modSp mod">
+        <pc:chgData name="Gerth Stølting Brodal" userId="04ef4784-6591-4f86-a140-f5c3b108582a" providerId="ADAL" clId="{A080D9BA-16EC-4AEE-988E-46CF3D7B74AC}" dt="2023-04-24T05:58:38.442" v="194" actId="313"/>
+        <pc:sldMkLst>
+          <pc:docMk/>
+          <pc:sldMk cId="1192181667" sldId="781"/>
+        </pc:sldMkLst>
+        <pc:graphicFrameChg chg="modGraphic">
+          <ac:chgData name="Gerth Stølting Brodal" userId="04ef4784-6591-4f86-a140-f5c3b108582a" providerId="ADAL" clId="{A080D9BA-16EC-4AEE-988E-46CF3D7B74AC}" dt="2023-04-24T05:58:38.442" v="194" actId="313"/>
+          <ac:graphicFrameMkLst>
+            <pc:docMk/>
+            <pc:sldMk cId="1192181667" sldId="781"/>
+            <ac:graphicFrameMk id="4" creationId="{00000000-0000-0000-0000-000000000000}"/>
+          </ac:graphicFrameMkLst>
+        </pc:graphicFrameChg>
+      </pc:sldChg>
+      <pc:sldChg chg="modSp mod">
         <pc:chgData name="Gerth Stølting Brodal" userId="04ef4784-6591-4f86-a140-f5c3b108582a" providerId="ADAL" clId="{A080D9BA-16EC-4AEE-988E-46CF3D7B74AC}" dt="2023-04-18T19:47:31.371" v="138" actId="14100"/>
         <pc:sldMkLst>
           <pc:docMk/>
@@ -380,6 +433,21 @@
             <ac:spMk id="3" creationId="{00000000-0000-0000-0000-000000000000}"/>
           </ac:spMkLst>
         </pc:spChg>
+      </pc:sldChg>
+      <pc:sldChg chg="modSp mod">
+        <pc:chgData name="Gerth Stølting Brodal" userId="04ef4784-6591-4f86-a140-f5c3b108582a" providerId="ADAL" clId="{A080D9BA-16EC-4AEE-988E-46CF3D7B74AC}" dt="2023-04-24T05:58:22.773" v="182" actId="313"/>
+        <pc:sldMkLst>
+          <pc:docMk/>
+          <pc:sldMk cId="2596356894" sldId="784"/>
+        </pc:sldMkLst>
+        <pc:graphicFrameChg chg="modGraphic">
+          <ac:chgData name="Gerth Stølting Brodal" userId="04ef4784-6591-4f86-a140-f5c3b108582a" providerId="ADAL" clId="{A080D9BA-16EC-4AEE-988E-46CF3D7B74AC}" dt="2023-04-24T05:58:22.773" v="182" actId="313"/>
+          <ac:graphicFrameMkLst>
+            <pc:docMk/>
+            <pc:sldMk cId="2596356894" sldId="784"/>
+            <ac:graphicFrameMk id="6" creationId="{00000000-0000-0000-0000-000000000000}"/>
+          </ac:graphicFrameMkLst>
+        </pc:graphicFrameChg>
       </pc:sldChg>
       <pc:sldChg chg="addSp modSp">
         <pc:chgData name="Gerth Stølting Brodal" userId="04ef4784-6591-4f86-a140-f5c3b108582a" providerId="ADAL" clId="{A080D9BA-16EC-4AEE-988E-46CF3D7B74AC}" dt="2023-04-18T19:54:24.241" v="139"/>
@@ -397,13 +465,28 @@
         </pc:spChg>
       </pc:sldChg>
       <pc:sldChg chg="modSp mod">
-        <pc:chgData name="Gerth Stølting Brodal" userId="04ef4784-6591-4f86-a140-f5c3b108582a" providerId="ADAL" clId="{A080D9BA-16EC-4AEE-988E-46CF3D7B74AC}" dt="2023-04-18T20:01:49.852" v="142" actId="207"/>
+        <pc:chgData name="Gerth Stølting Brodal" userId="04ef4784-6591-4f86-a140-f5c3b108582a" providerId="ADAL" clId="{A080D9BA-16EC-4AEE-988E-46CF3D7B74AC}" dt="2023-04-24T05:56:35.139" v="174" actId="6549"/>
+        <pc:sldMkLst>
+          <pc:docMk/>
+          <pc:sldMk cId="2057769851" sldId="786"/>
+        </pc:sldMkLst>
+        <pc:graphicFrameChg chg="modGraphic">
+          <ac:chgData name="Gerth Stølting Brodal" userId="04ef4784-6591-4f86-a140-f5c3b108582a" providerId="ADAL" clId="{A080D9BA-16EC-4AEE-988E-46CF3D7B74AC}" dt="2023-04-24T05:56:35.139" v="174" actId="6549"/>
+          <ac:graphicFrameMkLst>
+            <pc:docMk/>
+            <pc:sldMk cId="2057769851" sldId="786"/>
+            <ac:graphicFrameMk id="4" creationId="{00000000-0000-0000-0000-000000000000}"/>
+          </ac:graphicFrameMkLst>
+        </pc:graphicFrameChg>
+      </pc:sldChg>
+      <pc:sldChg chg="modSp mod">
+        <pc:chgData name="Gerth Stølting Brodal" userId="04ef4784-6591-4f86-a140-f5c3b108582a" providerId="ADAL" clId="{A080D9BA-16EC-4AEE-988E-46CF3D7B74AC}" dt="2023-04-24T05:58:29.335" v="188" actId="313"/>
         <pc:sldMkLst>
           <pc:docMk/>
           <pc:sldMk cId="1145542974" sldId="787"/>
         </pc:sldMkLst>
         <pc:graphicFrameChg chg="modGraphic">
-          <ac:chgData name="Gerth Stølting Brodal" userId="04ef4784-6591-4f86-a140-f5c3b108582a" providerId="ADAL" clId="{A080D9BA-16EC-4AEE-988E-46CF3D7B74AC}" dt="2023-04-18T20:01:49.852" v="142" actId="207"/>
+          <ac:chgData name="Gerth Stølting Brodal" userId="04ef4784-6591-4f86-a140-f5c3b108582a" providerId="ADAL" clId="{A080D9BA-16EC-4AEE-988E-46CF3D7B74AC}" dt="2023-04-24T05:58:29.335" v="188" actId="313"/>
           <ac:graphicFrameMkLst>
             <pc:docMk/>
             <pc:sldMk cId="1145542974" sldId="787"/>
@@ -505,7 +588,7 @@
           <a:p>
             <a:fld id="{FB1A172F-81D4-4DC4-9113-1DBD56EC3646}" type="datetimeFigureOut">
               <a:rPr lang="en-US" smtClean="0"/>
-              <a:t>4/18/2023</a:t>
+              <a:t>4/24/2023</a:t>
             </a:fld>
             <a:endParaRPr lang="en-US"/>
           </a:p>
@@ -818,7 +901,7 @@
           <a:p>
             <a:r>
               <a:rPr lang="en-US" dirty="0"/>
-              <a:t>“import antigravity” open this </a:t>
+              <a:t>'import antigravity' open this </a:t>
             </a:r>
             <a:r>
               <a:rPr lang="en-US" dirty="0" err="1"/>
@@ -1201,7 +1284,7 @@
           <a:p>
             <a:r>
               <a:rPr lang="da-DK" dirty="0"/>
-              <a:t>”from &lt;</a:t>
+              <a:t>'from &lt;</a:t>
             </a:r>
             <a:r>
               <a:rPr lang="da-DK" dirty="0" err="1"/>
@@ -1213,7 +1296,7 @@
             </a:r>
             <a:r>
               <a:rPr lang="da-DK" baseline="0" dirty="0"/>
-              <a:t> import ....” </a:t>
+              <a:t> import ....' </a:t>
             </a:r>
             <a:r>
               <a:rPr lang="da-DK" baseline="0" dirty="0" err="1"/>
@@ -2088,7 +2171,7 @@
           <a:p>
             <a:fld id="{0560A9CD-0304-4E0B-9E82-E7E0115DE05B}" type="datetimeFigureOut">
               <a:rPr lang="en-US" smtClean="0"/>
-              <a:t>4/18/2023</a:t>
+              <a:t>4/24/2023</a:t>
             </a:fld>
             <a:endParaRPr lang="en-US"/>
           </a:p>
@@ -2256,7 +2339,7 @@
           <a:p>
             <a:fld id="{0560A9CD-0304-4E0B-9E82-E7E0115DE05B}" type="datetimeFigureOut">
               <a:rPr lang="en-US" smtClean="0"/>
-              <a:t>4/18/2023</a:t>
+              <a:t>4/24/2023</a:t>
             </a:fld>
             <a:endParaRPr lang="en-US"/>
           </a:p>
@@ -2434,7 +2517,7 @@
           <a:p>
             <a:fld id="{0560A9CD-0304-4E0B-9E82-E7E0115DE05B}" type="datetimeFigureOut">
               <a:rPr lang="en-US" smtClean="0"/>
-              <a:t>4/18/2023</a:t>
+              <a:t>4/24/2023</a:t>
             </a:fld>
             <a:endParaRPr lang="en-US"/>
           </a:p>
@@ -2617,7 +2700,7 @@
           <a:p>
             <a:fld id="{0560A9CD-0304-4E0B-9E82-E7E0115DE05B}" type="datetimeFigureOut">
               <a:rPr lang="en-US" smtClean="0"/>
-              <a:t>4/18/2023</a:t>
+              <a:t>4/24/2023</a:t>
             </a:fld>
             <a:endParaRPr lang="en-US"/>
           </a:p>
@@ -2862,7 +2945,7 @@
           <a:p>
             <a:fld id="{0560A9CD-0304-4E0B-9E82-E7E0115DE05B}" type="datetimeFigureOut">
               <a:rPr lang="en-US" smtClean="0"/>
-              <a:t>4/18/2023</a:t>
+              <a:t>4/24/2023</a:t>
             </a:fld>
             <a:endParaRPr lang="en-US"/>
           </a:p>
@@ -3091,7 +3174,7 @@
           <a:p>
             <a:fld id="{0560A9CD-0304-4E0B-9E82-E7E0115DE05B}" type="datetimeFigureOut">
               <a:rPr lang="en-US" smtClean="0"/>
-              <a:t>4/18/2023</a:t>
+              <a:t>4/24/2023</a:t>
             </a:fld>
             <a:endParaRPr lang="en-US"/>
           </a:p>
@@ -3455,7 +3538,7 @@
           <a:p>
             <a:fld id="{0560A9CD-0304-4E0B-9E82-E7E0115DE05B}" type="datetimeFigureOut">
               <a:rPr lang="en-US" smtClean="0"/>
-              <a:t>4/18/2023</a:t>
+              <a:t>4/24/2023</a:t>
             </a:fld>
             <a:endParaRPr lang="en-US"/>
           </a:p>
@@ -3572,7 +3655,7 @@
           <a:p>
             <a:fld id="{0560A9CD-0304-4E0B-9E82-E7E0115DE05B}" type="datetimeFigureOut">
               <a:rPr lang="en-US" smtClean="0"/>
-              <a:t>4/18/2023</a:t>
+              <a:t>4/24/2023</a:t>
             </a:fld>
             <a:endParaRPr lang="en-US"/>
           </a:p>
@@ -3667,7 +3750,7 @@
           <a:p>
             <a:fld id="{0560A9CD-0304-4E0B-9E82-E7E0115DE05B}" type="datetimeFigureOut">
               <a:rPr lang="en-US" smtClean="0"/>
-              <a:t>4/18/2023</a:t>
+              <a:t>4/24/2023</a:t>
             </a:fld>
             <a:endParaRPr lang="en-US"/>
           </a:p>
@@ -3942,7 +4025,7 @@
           <a:p>
             <a:fld id="{0560A9CD-0304-4E0B-9E82-E7E0115DE05B}" type="datetimeFigureOut">
               <a:rPr lang="en-US" smtClean="0"/>
-              <a:t>4/18/2023</a:t>
+              <a:t>4/24/2023</a:t>
             </a:fld>
             <a:endParaRPr lang="en-US"/>
           </a:p>
@@ -4194,7 +4277,7 @@
           <a:p>
             <a:fld id="{0560A9CD-0304-4E0B-9E82-E7E0115DE05B}" type="datetimeFigureOut">
               <a:rPr lang="en-US" smtClean="0"/>
-              <a:t>4/18/2023</a:t>
+              <a:t>4/24/2023</a:t>
             </a:fld>
             <a:endParaRPr lang="en-US"/>
           </a:p>
@@ -4405,7 +4488,7 @@
           <a:p>
             <a:fld id="{0560A9CD-0304-4E0B-9E82-E7E0115DE05B}" type="datetimeFigureOut">
               <a:rPr lang="en-US" smtClean="0"/>
-              <a:t>4/18/2023</a:t>
+              <a:t>4/24/2023</a:t>
             </a:fld>
             <a:endParaRPr lang="en-US"/>
           </a:p>
@@ -4885,7 +4968,7 @@
             </a:r>
             <a:r>
               <a:rPr lang="da-DK" dirty="0"/>
-              <a:t>__, "__</a:t>
+              <a:t>__, '__</a:t>
             </a:r>
             <a:r>
               <a:rPr lang="da-DK" dirty="0" err="1"/>
@@ -4893,7 +4976,7 @@
             </a:r>
             <a:r>
               <a:rPr lang="da-DK" dirty="0"/>
-              <a:t>__"</a:t>
+              <a:t>__'</a:t>
             </a:r>
             <a:endParaRPr lang="en-US" dirty="0"/>
           </a:p>
@@ -7476,7 +7559,7 @@
           <p:nvPr>
             <p:extLst>
               <p:ext uri="{D42A27DB-BD31-4B8C-83A1-F6EECF244321}">
-                <p14:modId xmlns:p14="http://schemas.microsoft.com/office/powerpoint/2010/main" val="2056886147"/>
+                <p14:modId xmlns:p14="http://schemas.microsoft.com/office/powerpoint/2010/main" val="1623942293"/>
               </p:ext>
             </p:extLst>
           </p:nvPr>
@@ -7582,7 +7665,7 @@
                           <a:latin typeface="Courier New" panose="02070309020205020404" pitchFamily="49" charset="0"/>
                           <a:cs typeface="Courier New" panose="02070309020205020404" pitchFamily="49" charset="0"/>
                         </a:rPr>
-                        <a:t>print("</a:t>
+                        <a:t>print('</a:t>
                       </a:r>
                       <a:r>
                         <a:rPr lang="da-DK" sz="1800" b="1" dirty="0" err="1">
@@ -7610,7 +7693,7 @@
                           <a:latin typeface="Courier New" panose="02070309020205020404" pitchFamily="49" charset="0"/>
                           <a:cs typeface="Courier New" panose="02070309020205020404" pitchFamily="49" charset="0"/>
                         </a:rPr>
-                        <a:t>")</a:t>
+                        <a:t>')</a:t>
                       </a:r>
                     </a:p>
                     <a:p>
@@ -7654,7 +7737,7 @@
                           <a:latin typeface="Courier New" panose="02070309020205020404" pitchFamily="49" charset="0"/>
                           <a:cs typeface="Courier New" panose="02070309020205020404" pitchFamily="49" charset="0"/>
                         </a:rPr>
-                        <a:t>print("</a:t>
+                        <a:t>print('</a:t>
                       </a:r>
                       <a:r>
                         <a:rPr lang="da-DK" sz="1800" b="1" dirty="0" err="1">
@@ -7668,7 +7751,7 @@
                           <a:latin typeface="Courier New" panose="02070309020205020404" pitchFamily="49" charset="0"/>
                           <a:cs typeface="Courier New" panose="02070309020205020404" pitchFamily="49" charset="0"/>
                         </a:rPr>
-                        <a:t>")</a:t>
+                        <a:t>')</a:t>
                       </a:r>
                     </a:p>
                   </a:txBody>
@@ -11396,7 +11479,11 @@
             </a:r>
             <a:r>
               <a:rPr lang="da-DK" dirty="0"/>
-              <a:t> and the smallest element </a:t>
+              <a:t> and the </a:t>
+            </a:r>
+            <a:r>
+              <a:rPr lang="da-DK" i="1" dirty="0"/>
+              <a:t>smallest element </a:t>
             </a:r>
             <a:r>
               <a:rPr lang="da-DK" dirty="0" err="1"/>
@@ -14841,7 +14928,7 @@
           <p:nvPr>
             <p:extLst>
               <p:ext uri="{D42A27DB-BD31-4B8C-83A1-F6EECF244321}">
-                <p14:modId xmlns:p14="http://schemas.microsoft.com/office/powerpoint/2010/main" val="824641132"/>
+                <p14:modId xmlns:p14="http://schemas.microsoft.com/office/powerpoint/2010/main" val="3376639847"/>
               </p:ext>
             </p:extLst>
           </p:nvPr>
@@ -15628,7 +15715,7 @@
                           <a:latin typeface="Courier New" panose="02070309020205020404" pitchFamily="49" charset="0"/>
                           <a:cs typeface="Courier New" panose="02070309020205020404" pitchFamily="49" charset="0"/>
                         </a:rPr>
-                        <a:t>plt.title("Average time for insert + delete min")</a:t>
+                        <a:t>plt.title('Average time for insert + delete min')</a:t>
                       </a:r>
                     </a:p>
                     <a:p>
@@ -15642,7 +15729,7 @@
                           <a:latin typeface="Courier New" panose="02070309020205020404" pitchFamily="49" charset="0"/>
                           <a:cs typeface="Courier New" panose="02070309020205020404" pitchFamily="49" charset="0"/>
                         </a:rPr>
-                        <a:t>plt.xlabel("list size")</a:t>
+                        <a:t>plt.xlabel('list size')</a:t>
                       </a:r>
                     </a:p>
                     <a:p>
@@ -15656,7 +15743,7 @@
                           <a:latin typeface="Courier New" panose="02070309020205020404" pitchFamily="49" charset="0"/>
                           <a:cs typeface="Courier New" panose="02070309020205020404" pitchFamily="49" charset="0"/>
                         </a:rPr>
-                        <a:t>plt.ylabel("time (seconds)")</a:t>
+                        <a:t>plt.ylabel('time (seconds)')</a:t>
                       </a:r>
                     </a:p>
                     <a:p>
@@ -16382,7 +16469,7 @@
           <p:nvPr>
             <p:extLst>
               <p:ext uri="{D42A27DB-BD31-4B8C-83A1-F6EECF244321}">
-                <p14:modId xmlns:p14="http://schemas.microsoft.com/office/powerpoint/2010/main" val="1046197458"/>
+                <p14:modId xmlns:p14="http://schemas.microsoft.com/office/powerpoint/2010/main" val="409908668"/>
               </p:ext>
             </p:extLst>
           </p:nvPr>
@@ -16488,7 +16575,7 @@
                           <a:latin typeface="Courier New" panose="02070309020205020404" pitchFamily="49" charset="0"/>
                           <a:cs typeface="Courier New" panose="02070309020205020404" pitchFamily="49" charset="0"/>
                         </a:rPr>
-                        <a:t>""" This is a 'print something' module """</a:t>
+                        <a:t>'''This is a 'print something' module.'''</a:t>
                       </a:r>
                     </a:p>
                     <a:p>
@@ -16545,7 +16632,7 @@
                           <a:latin typeface="Courier New" panose="02070309020205020404" pitchFamily="49" charset="0"/>
                           <a:cs typeface="Courier New" panose="02070309020205020404" pitchFamily="49" charset="0"/>
                         </a:rPr>
-                        <a:t>print("Running my module")</a:t>
+                        <a:t>print('Running my module')</a:t>
                       </a:r>
                     </a:p>
                     <a:p>
@@ -22007,6 +22094,42 @@
           </a:graphicData>
         </a:graphic>
       </p:graphicFrame>
+      <p:pic>
+        <p:nvPicPr>
+          <p:cNvPr id="4" name="Picture 3">
+            <a:extLst>
+              <a:ext uri="{FF2B5EF4-FFF2-40B4-BE49-F238E27FC236}">
+                <a16:creationId xmlns:a16="http://schemas.microsoft.com/office/drawing/2014/main" id="{49B87005-3E56-6328-F773-D5DB2C6D4D98}"/>
+              </a:ext>
+            </a:extLst>
+          </p:cNvPr>
+          <p:cNvPicPr>
+            <a:picLocks noChangeAspect="1"/>
+          </p:cNvPicPr>
+          <p:nvPr/>
+        </p:nvPicPr>
+        <p:blipFill>
+          <a:blip r:embed="rId3" cstate="print">
+            <a:extLst>
+              <a:ext uri="{28A0092B-C50C-407E-A947-70E740481C1C}">
+                <a14:useLocalDpi xmlns:a14="http://schemas.microsoft.com/office/drawing/2010/main" val="0"/>
+              </a:ext>
+            </a:extLst>
+          </a:blip>
+          <a:stretch>
+            <a:fillRect/>
+          </a:stretch>
+        </p:blipFill>
+        <p:spPr>
+          <a:xfrm>
+            <a:off x="6957356" y="4582558"/>
+            <a:ext cx="514430" cy="405904"/>
+          </a:xfrm>
+          <a:prstGeom prst="rect">
+            <a:avLst/>
+          </a:prstGeom>
+        </p:spPr>
+      </p:pic>
     </p:spTree>
     <p:extLst>
       <p:ext uri="{BB962C8B-B14F-4D97-AF65-F5344CB8AC3E}">
@@ -24026,7 +24149,7 @@
           <p:nvPr>
             <p:extLst>
               <p:ext uri="{D42A27DB-BD31-4B8C-83A1-F6EECF244321}">
-                <p14:modId xmlns:p14="http://schemas.microsoft.com/office/powerpoint/2010/main" val="2008036835"/>
+                <p14:modId xmlns:p14="http://schemas.microsoft.com/office/powerpoint/2010/main" val="363322948"/>
               </p:ext>
             </p:extLst>
           </p:nvPr>
@@ -24207,7 +24330,7 @@
                           <a:latin typeface="Courier New" panose="02070309020205020404" pitchFamily="49" charset="0"/>
                           <a:cs typeface="Courier New" panose="02070309020205020404" pitchFamily="49" charset="0"/>
                         </a:rPr>
-                        <a:t>print("</a:t>
+                        <a:t>print('</a:t>
                       </a:r>
                       <a:r>
                         <a:rPr lang="en-US" sz="1600" b="1" dirty="0" err="1">
@@ -24221,7 +24344,7 @@
                           <a:latin typeface="Courier New" panose="02070309020205020404" pitchFamily="49" charset="0"/>
                           <a:cs typeface="Courier New" panose="02070309020205020404" pitchFamily="49" charset="0"/>
                         </a:rPr>
-                        <a:t>", end - start)</a:t>
+                        <a:t>', end - start)</a:t>
                       </a:r>
                     </a:p>
                     <a:p>
@@ -24311,21 +24434,7 @@
                           <a:latin typeface="Courier New" panose="02070309020205020404" pitchFamily="49" charset="0"/>
                           <a:cs typeface="Courier New" panose="02070309020205020404" pitchFamily="49" charset="0"/>
                         </a:rPr>
-                        <a:t>print("from math import </a:t>
-                      </a:r>
-                      <a:r>
-                        <a:rPr lang="en-US" sz="1600" b="1" dirty="0" err="1">
-                          <a:latin typeface="Courier New" panose="02070309020205020404" pitchFamily="49" charset="0"/>
-                          <a:cs typeface="Courier New" panose="02070309020205020404" pitchFamily="49" charset="0"/>
-                        </a:rPr>
-                        <a:t>sqrt</a:t>
-                      </a:r>
-                      <a:r>
-                        <a:rPr lang="en-US" sz="1600" b="1" dirty="0">
-                          <a:latin typeface="Courier New" panose="02070309020205020404" pitchFamily="49" charset="0"/>
-                          <a:cs typeface="Courier New" panose="02070309020205020404" pitchFamily="49" charset="0"/>
-                        </a:rPr>
-                        <a:t>", end - start)</a:t>
+                        <a:t>print('from math import sqrt', end - start)</a:t>
                       </a:r>
                     </a:p>
                     <a:p>
@@ -24461,21 +24570,7 @@
                           <a:latin typeface="Courier New" panose="02070309020205020404" pitchFamily="49" charset="0"/>
                           <a:cs typeface="Courier New" panose="02070309020205020404" pitchFamily="49" charset="0"/>
                         </a:rPr>
-                        <a:t>    print("bind </a:t>
-                      </a:r>
-                      <a:r>
-                        <a:rPr lang="en-US" sz="1600" b="1" dirty="0" err="1">
-                          <a:latin typeface="Courier New" panose="02070309020205020404" pitchFamily="49" charset="0"/>
-                          <a:cs typeface="Courier New" panose="02070309020205020404" pitchFamily="49" charset="0"/>
-                        </a:rPr>
-                        <a:t>sqrt</a:t>
-                      </a:r>
-                      <a:r>
-                        <a:rPr lang="en-US" sz="1600" b="1" dirty="0">
-                          <a:latin typeface="Courier New" panose="02070309020205020404" pitchFamily="49" charset="0"/>
-                          <a:cs typeface="Courier New" panose="02070309020205020404" pitchFamily="49" charset="0"/>
-                        </a:rPr>
-                        <a:t> to keyword argument", end - start)   </a:t>
+                        <a:t>    print('bind sqrt to keyword argument', end - start)   </a:t>
                       </a:r>
                     </a:p>
                     <a:p>
@@ -25582,7 +25677,7 @@
           <p:nvPr>
             <p:extLst>
               <p:ext uri="{D42A27DB-BD31-4B8C-83A1-F6EECF244321}">
-                <p14:modId xmlns:p14="http://schemas.microsoft.com/office/powerpoint/2010/main" val="2962809130"/>
+                <p14:modId xmlns:p14="http://schemas.microsoft.com/office/powerpoint/2010/main" val="3111911234"/>
               </p:ext>
             </p:extLst>
           </p:nvPr>
@@ -25693,7 +25788,7 @@
                           <a:latin typeface="Courier New" panose="02070309020205020404" pitchFamily="49" charset="0"/>
                           <a:cs typeface="Courier New" panose="02070309020205020404" pitchFamily="49" charset="0"/>
                         </a:rPr>
-                        <a:t>""" Module double """</a:t>
+                        <a:t>'''Module double.'''</a:t>
                       </a:r>
                     </a:p>
                     <a:p>
@@ -25718,7 +25813,7 @@
                           <a:latin typeface="Courier New" panose="02070309020205020404" pitchFamily="49" charset="0"/>
                           <a:cs typeface="Courier New" panose="02070309020205020404" pitchFamily="49" charset="0"/>
                         </a:rPr>
-                        <a:t>    """</a:t>
+                        <a:t>    '''</a:t>
                       </a:r>
                     </a:p>
                     <a:p>
@@ -25782,7 +25877,7 @@
                           <a:latin typeface="Courier New" panose="02070309020205020404" pitchFamily="49" charset="0"/>
                           <a:cs typeface="Courier New" panose="02070309020205020404" pitchFamily="49" charset="0"/>
                         </a:rPr>
-                        <a:t>    """</a:t>
+                        <a:t>    '''</a:t>
                       </a:r>
                     </a:p>
                     <a:p>
@@ -25846,7 +25941,7 @@
                           <a:latin typeface="Courier New" panose="02070309020205020404" pitchFamily="49" charset="0"/>
                           <a:cs typeface="Courier New" panose="02070309020205020404" pitchFamily="49" charset="0"/>
                         </a:rPr>
-                        <a:t>"__main__"</a:t>
+                        <a:t>'__main__'</a:t>
                       </a:r>
                       <a:r>
                         <a:rPr lang="en-US" sz="1400" b="1" dirty="0">

--- a/ipsa/slides/modules.pptx
+++ b/ipsa/slides/modules.pptx
@@ -135,16 +135,39 @@
 </p:presentation>
 </file>
 
-<file path=ppt/revisionInfo.xml><?xml version="1.0" encoding="utf-8"?>
-<p1510:revInfo xmlns:a="http://schemas.openxmlformats.org/drawingml/2006/main" xmlns:r="http://schemas.openxmlformats.org/officeDocument/2006/relationships" xmlns:p1510="http://schemas.microsoft.com/office/powerpoint/2015/10/main">
-  <p1510:revLst>
-    <p1510:client id="{A080D9BA-16EC-4AEE-988E-46CF3D7B74AC}" v="6" dt="2023-04-24T05:46:10.948"/>
-  </p1510:revLst>
-</p1510:revInfo>
-</file>
-
 <file path=ppt/changesInfos/changesInfo1.xml><?xml version="1.0" encoding="utf-8"?>
 <pc:chgInfo xmlns:a="http://schemas.openxmlformats.org/drawingml/2006/main" xmlns:r="http://schemas.openxmlformats.org/officeDocument/2006/relationships" xmlns:ac="http://schemas.microsoft.com/office/drawing/2013/main/command" xmlns:pc="http://schemas.microsoft.com/office/powerpoint/2013/main/command">
+  <pc:docChgLst>
+    <pc:chgData name="Gerth Stølting Brodal" userId="04ef4784-6591-4f86-a140-f5c3b108582a" providerId="ADAL" clId="{808A8E8C-E864-4F20-9592-16FE57C30321}"/>
+    <pc:docChg chg="undo custSel modSld">
+      <pc:chgData name="Gerth Stølting Brodal" userId="04ef4784-6591-4f86-a140-f5c3b108582a" providerId="ADAL" clId="{808A8E8C-E864-4F20-9592-16FE57C30321}" dt="2024-04-17T07:05:57.485" v="99" actId="20577"/>
+      <pc:docMkLst>
+        <pc:docMk/>
+      </pc:docMkLst>
+      <pc:sldChg chg="modNotesTx">
+        <pc:chgData name="Gerth Stølting Brodal" userId="04ef4784-6591-4f86-a140-f5c3b108582a" providerId="ADAL" clId="{808A8E8C-E864-4F20-9592-16FE57C30321}" dt="2024-04-17T07:05:57.485" v="99" actId="20577"/>
+        <pc:sldMkLst>
+          <pc:docMk/>
+          <pc:sldMk cId="3341382760" sldId="660"/>
+        </pc:sldMkLst>
+      </pc:sldChg>
+      <pc:sldChg chg="modSp mod">
+        <pc:chgData name="Gerth Stølting Brodal" userId="04ef4784-6591-4f86-a140-f5c3b108582a" providerId="ADAL" clId="{808A8E8C-E864-4F20-9592-16FE57C30321}" dt="2024-04-17T06:40:34.640" v="1" actId="20577"/>
+        <pc:sldMkLst>
+          <pc:docMk/>
+          <pc:sldMk cId="3693141304" sldId="774"/>
+        </pc:sldMkLst>
+        <pc:spChg chg="mod">
+          <ac:chgData name="Gerth Stølting Brodal" userId="04ef4784-6591-4f86-a140-f5c3b108582a" providerId="ADAL" clId="{808A8E8C-E864-4F20-9592-16FE57C30321}" dt="2024-04-17T06:40:34.640" v="1" actId="20577"/>
+          <ac:spMkLst>
+            <pc:docMk/>
+            <pc:sldMk cId="3693141304" sldId="774"/>
+            <ac:spMk id="3" creationId="{00000000-0000-0000-0000-000000000000}"/>
+          </ac:spMkLst>
+        </pc:spChg>
+      </pc:sldChg>
+    </pc:docChg>
+  </pc:docChgLst>
   <pc:docChgLst>
     <pc:chgData name="Gerth Stølting Brodal" userId="04ef4784-6591-4f86-a140-f5c3b108582a" providerId="ADAL" clId="{2164AC87-6B14-4821-88A5-C4E818E611EC}"/>
     <pc:docChg chg="undo custSel addSld modSld">
@@ -588,7 +611,7 @@
           <a:p>
             <a:fld id="{FB1A172F-81D4-4DC4-9113-1DBD56EC3646}" type="datetimeFigureOut">
               <a:rPr lang="en-US" smtClean="0"/>
-              <a:t>4/24/2023</a:t>
+              <a:t>4/17/2024</a:t>
             </a:fld>
             <a:endParaRPr lang="en-US"/>
           </a:p>
@@ -1002,6 +1025,20 @@
               <a:rPr lang="en-US" baseline="0" dirty="0"/>
               <a:t> scheduling exercise</a:t>
             </a:r>
+          </a:p>
+          <a:p>
+            <a:r>
+              <a:rPr lang="en-US" baseline="0" dirty="0" err="1"/>
+              <a:t>queue.PriorityQueue</a:t>
+            </a:r>
+            <a:r>
+              <a:rPr lang="en-US" baseline="0" dirty="0"/>
+              <a:t> is an alternative priority queue that supports </a:t>
+            </a:r>
+            <a:r>
+              <a:rPr lang="en-US" baseline="0"/>
+              <a:t>concurrent processes</a:t>
+            </a:r>
             <a:endParaRPr lang="en-US" dirty="0"/>
           </a:p>
         </p:txBody>
@@ -2171,7 +2208,7 @@
           <a:p>
             <a:fld id="{0560A9CD-0304-4E0B-9E82-E7E0115DE05B}" type="datetimeFigureOut">
               <a:rPr lang="en-US" smtClean="0"/>
-              <a:t>4/24/2023</a:t>
+              <a:t>4/17/2024</a:t>
             </a:fld>
             <a:endParaRPr lang="en-US"/>
           </a:p>
@@ -2339,7 +2376,7 @@
           <a:p>
             <a:fld id="{0560A9CD-0304-4E0B-9E82-E7E0115DE05B}" type="datetimeFigureOut">
               <a:rPr lang="en-US" smtClean="0"/>
-              <a:t>4/24/2023</a:t>
+              <a:t>4/17/2024</a:t>
             </a:fld>
             <a:endParaRPr lang="en-US"/>
           </a:p>
@@ -2517,7 +2554,7 @@
           <a:p>
             <a:fld id="{0560A9CD-0304-4E0B-9E82-E7E0115DE05B}" type="datetimeFigureOut">
               <a:rPr lang="en-US" smtClean="0"/>
-              <a:t>4/24/2023</a:t>
+              <a:t>4/17/2024</a:t>
             </a:fld>
             <a:endParaRPr lang="en-US"/>
           </a:p>
@@ -2700,7 +2737,7 @@
           <a:p>
             <a:fld id="{0560A9CD-0304-4E0B-9E82-E7E0115DE05B}" type="datetimeFigureOut">
               <a:rPr lang="en-US" smtClean="0"/>
-              <a:t>4/24/2023</a:t>
+              <a:t>4/17/2024</a:t>
             </a:fld>
             <a:endParaRPr lang="en-US"/>
           </a:p>
@@ -2945,7 +2982,7 @@
           <a:p>
             <a:fld id="{0560A9CD-0304-4E0B-9E82-E7E0115DE05B}" type="datetimeFigureOut">
               <a:rPr lang="en-US" smtClean="0"/>
-              <a:t>4/24/2023</a:t>
+              <a:t>4/17/2024</a:t>
             </a:fld>
             <a:endParaRPr lang="en-US"/>
           </a:p>
@@ -3174,7 +3211,7 @@
           <a:p>
             <a:fld id="{0560A9CD-0304-4E0B-9E82-E7E0115DE05B}" type="datetimeFigureOut">
               <a:rPr lang="en-US" smtClean="0"/>
-              <a:t>4/24/2023</a:t>
+              <a:t>4/17/2024</a:t>
             </a:fld>
             <a:endParaRPr lang="en-US"/>
           </a:p>
@@ -3538,7 +3575,7 @@
           <a:p>
             <a:fld id="{0560A9CD-0304-4E0B-9E82-E7E0115DE05B}" type="datetimeFigureOut">
               <a:rPr lang="en-US" smtClean="0"/>
-              <a:t>4/24/2023</a:t>
+              <a:t>4/17/2024</a:t>
             </a:fld>
             <a:endParaRPr lang="en-US"/>
           </a:p>
@@ -3655,7 +3692,7 @@
           <a:p>
             <a:fld id="{0560A9CD-0304-4E0B-9E82-E7E0115DE05B}" type="datetimeFigureOut">
               <a:rPr lang="en-US" smtClean="0"/>
-              <a:t>4/24/2023</a:t>
+              <a:t>4/17/2024</a:t>
             </a:fld>
             <a:endParaRPr lang="en-US"/>
           </a:p>
@@ -3750,7 +3787,7 @@
           <a:p>
             <a:fld id="{0560A9CD-0304-4E0B-9E82-E7E0115DE05B}" type="datetimeFigureOut">
               <a:rPr lang="en-US" smtClean="0"/>
-              <a:t>4/24/2023</a:t>
+              <a:t>4/17/2024</a:t>
             </a:fld>
             <a:endParaRPr lang="en-US"/>
           </a:p>
@@ -4025,7 +4062,7 @@
           <a:p>
             <a:fld id="{0560A9CD-0304-4E0B-9E82-E7E0115DE05B}" type="datetimeFigureOut">
               <a:rPr lang="en-US" smtClean="0"/>
-              <a:t>4/24/2023</a:t>
+              <a:t>4/17/2024</a:t>
             </a:fld>
             <a:endParaRPr lang="en-US"/>
           </a:p>
@@ -4277,7 +4314,7 @@
           <a:p>
             <a:fld id="{0560A9CD-0304-4E0B-9E82-E7E0115DE05B}" type="datetimeFigureOut">
               <a:rPr lang="en-US" smtClean="0"/>
-              <a:t>4/24/2023</a:t>
+              <a:t>4/17/2024</a:t>
             </a:fld>
             <a:endParaRPr lang="en-US"/>
           </a:p>
@@ -4488,7 +4525,7 @@
           <a:p>
             <a:fld id="{0560A9CD-0304-4E0B-9E82-E7E0115DE05B}" type="datetimeFigureOut">
               <a:rPr lang="en-US" smtClean="0"/>
-              <a:t>4/24/2023</a:t>
+              <a:t>4/17/2024</a:t>
             </a:fld>
             <a:endParaRPr lang="en-US"/>
           </a:p>
@@ -14272,7 +14309,7 @@
             </a:r>
             <a:r>
               <a:rPr lang="da-DK" dirty="0"/>
-              <a:t> of the +400.000 </a:t>
+              <a:t> of the +500.000 </a:t>
             </a:r>
             <a:r>
               <a:rPr lang="da-DK" dirty="0" err="1"/>

--- a/ipsa/slides/modules.pptx
+++ b/ipsa/slides/modules.pptx
@@ -140,10 +140,25 @@
   <pc:docChgLst>
     <pc:chgData name="Gerth Stølting Brodal" userId="04ef4784-6591-4f86-a140-f5c3b108582a" providerId="ADAL" clId="{808A8E8C-E864-4F20-9592-16FE57C30321}"/>
     <pc:docChg chg="undo custSel modSld">
-      <pc:chgData name="Gerth Stølting Brodal" userId="04ef4784-6591-4f86-a140-f5c3b108582a" providerId="ADAL" clId="{808A8E8C-E864-4F20-9592-16FE57C30321}" dt="2024-04-17T07:05:57.485" v="99" actId="20577"/>
+      <pc:chgData name="Gerth Stølting Brodal" userId="04ef4784-6591-4f86-a140-f5c3b108582a" providerId="ADAL" clId="{808A8E8C-E864-4F20-9592-16FE57C30321}" dt="2024-04-21T21:04:14.800" v="105" actId="20577"/>
       <pc:docMkLst>
         <pc:docMk/>
       </pc:docMkLst>
+      <pc:sldChg chg="modSp mod">
+        <pc:chgData name="Gerth Stølting Brodal" userId="04ef4784-6591-4f86-a140-f5c3b108582a" providerId="ADAL" clId="{808A8E8C-E864-4F20-9592-16FE57C30321}" dt="2024-04-21T21:04:14.800" v="105" actId="20577"/>
+        <pc:sldMkLst>
+          <pc:docMk/>
+          <pc:sldMk cId="1591653014" sldId="466"/>
+        </pc:sldMkLst>
+        <pc:spChg chg="mod">
+          <ac:chgData name="Gerth Stølting Brodal" userId="04ef4784-6591-4f86-a140-f5c3b108582a" providerId="ADAL" clId="{808A8E8C-E864-4F20-9592-16FE57C30321}" dt="2024-04-21T21:04:14.800" v="105" actId="20577"/>
+          <ac:spMkLst>
+            <pc:docMk/>
+            <pc:sldMk cId="1591653014" sldId="466"/>
+            <ac:spMk id="3" creationId="{00000000-0000-0000-0000-000000000000}"/>
+          </ac:spMkLst>
+        </pc:spChg>
+      </pc:sldChg>
       <pc:sldChg chg="modNotesTx">
         <pc:chgData name="Gerth Stølting Brodal" userId="04ef4784-6591-4f86-a140-f5c3b108582a" providerId="ADAL" clId="{808A8E8C-E864-4F20-9592-16FE57C30321}" dt="2024-04-17T07:05:57.485" v="99" actId="20577"/>
         <pc:sldMkLst>
@@ -611,7 +626,7 @@
           <a:p>
             <a:fld id="{FB1A172F-81D4-4DC4-9113-1DBD56EC3646}" type="datetimeFigureOut">
               <a:rPr lang="en-US" smtClean="0"/>
-              <a:t>4/17/2024</a:t>
+              <a:t>4/21/2024</a:t>
             </a:fld>
             <a:endParaRPr lang="en-US"/>
           </a:p>
@@ -2208,7 +2223,7 @@
           <a:p>
             <a:fld id="{0560A9CD-0304-4E0B-9E82-E7E0115DE05B}" type="datetimeFigureOut">
               <a:rPr lang="en-US" smtClean="0"/>
-              <a:t>4/17/2024</a:t>
+              <a:t>4/21/2024</a:t>
             </a:fld>
             <a:endParaRPr lang="en-US"/>
           </a:p>
@@ -2376,7 +2391,7 @@
           <a:p>
             <a:fld id="{0560A9CD-0304-4E0B-9E82-E7E0115DE05B}" type="datetimeFigureOut">
               <a:rPr lang="en-US" smtClean="0"/>
-              <a:t>4/17/2024</a:t>
+              <a:t>4/21/2024</a:t>
             </a:fld>
             <a:endParaRPr lang="en-US"/>
           </a:p>
@@ -2554,7 +2569,7 @@
           <a:p>
             <a:fld id="{0560A9CD-0304-4E0B-9E82-E7E0115DE05B}" type="datetimeFigureOut">
               <a:rPr lang="en-US" smtClean="0"/>
-              <a:t>4/17/2024</a:t>
+              <a:t>4/21/2024</a:t>
             </a:fld>
             <a:endParaRPr lang="en-US"/>
           </a:p>
@@ -2737,7 +2752,7 @@
           <a:p>
             <a:fld id="{0560A9CD-0304-4E0B-9E82-E7E0115DE05B}" type="datetimeFigureOut">
               <a:rPr lang="en-US" smtClean="0"/>
-              <a:t>4/17/2024</a:t>
+              <a:t>4/21/2024</a:t>
             </a:fld>
             <a:endParaRPr lang="en-US"/>
           </a:p>
@@ -2982,7 +2997,7 @@
           <a:p>
             <a:fld id="{0560A9CD-0304-4E0B-9E82-E7E0115DE05B}" type="datetimeFigureOut">
               <a:rPr lang="en-US" smtClean="0"/>
-              <a:t>4/17/2024</a:t>
+              <a:t>4/21/2024</a:t>
             </a:fld>
             <a:endParaRPr lang="en-US"/>
           </a:p>
@@ -3211,7 +3226,7 @@
           <a:p>
             <a:fld id="{0560A9CD-0304-4E0B-9E82-E7E0115DE05B}" type="datetimeFigureOut">
               <a:rPr lang="en-US" smtClean="0"/>
-              <a:t>4/17/2024</a:t>
+              <a:t>4/21/2024</a:t>
             </a:fld>
             <a:endParaRPr lang="en-US"/>
           </a:p>
@@ -3575,7 +3590,7 @@
           <a:p>
             <a:fld id="{0560A9CD-0304-4E0B-9E82-E7E0115DE05B}" type="datetimeFigureOut">
               <a:rPr lang="en-US" smtClean="0"/>
-              <a:t>4/17/2024</a:t>
+              <a:t>4/21/2024</a:t>
             </a:fld>
             <a:endParaRPr lang="en-US"/>
           </a:p>
@@ -3692,7 +3707,7 @@
           <a:p>
             <a:fld id="{0560A9CD-0304-4E0B-9E82-E7E0115DE05B}" type="datetimeFigureOut">
               <a:rPr lang="en-US" smtClean="0"/>
-              <a:t>4/17/2024</a:t>
+              <a:t>4/21/2024</a:t>
             </a:fld>
             <a:endParaRPr lang="en-US"/>
           </a:p>
@@ -3787,7 +3802,7 @@
           <a:p>
             <a:fld id="{0560A9CD-0304-4E0B-9E82-E7E0115DE05B}" type="datetimeFigureOut">
               <a:rPr lang="en-US" smtClean="0"/>
-              <a:t>4/17/2024</a:t>
+              <a:t>4/21/2024</a:t>
             </a:fld>
             <a:endParaRPr lang="en-US"/>
           </a:p>
@@ -4062,7 +4077,7 @@
           <a:p>
             <a:fld id="{0560A9CD-0304-4E0B-9E82-E7E0115DE05B}" type="datetimeFigureOut">
               <a:rPr lang="en-US" smtClean="0"/>
-              <a:t>4/17/2024</a:t>
+              <a:t>4/21/2024</a:t>
             </a:fld>
             <a:endParaRPr lang="en-US"/>
           </a:p>
@@ -4314,7 +4329,7 @@
           <a:p>
             <a:fld id="{0560A9CD-0304-4E0B-9E82-E7E0115DE05B}" type="datetimeFigureOut">
               <a:rPr lang="en-US" smtClean="0"/>
-              <a:t>4/17/2024</a:t>
+              <a:t>4/21/2024</a:t>
             </a:fld>
             <a:endParaRPr lang="en-US"/>
           </a:p>
@@ -4525,7 +4540,7 @@
           <a:p>
             <a:fld id="{0560A9CD-0304-4E0B-9E82-E7E0115DE05B}" type="datetimeFigureOut">
               <a:rPr lang="en-US" smtClean="0"/>
-              <a:t>4/17/2024</a:t>
+              <a:t>4/21/2024</a:t>
             </a:fld>
             <a:endParaRPr lang="en-US"/>
           </a:p>
@@ -5014,6 +5029,12 @@
             <a:r>
               <a:rPr lang="da-DK" dirty="0"/>
               <a:t>__'</a:t>
+            </a:r>
+          </a:p>
+          <a:p>
+            <a:r>
+              <a:rPr lang="da-DK"/>
+              <a:t>heapq</a:t>
             </a:r>
             <a:endParaRPr lang="en-US" dirty="0"/>
           </a:p>

--- a/ipsa/slides/modules.pptx
+++ b/ipsa/slides/modules.pptx
@@ -135,6 +135,14 @@
 </p:presentation>
 </file>
 
+<file path=ppt/revisionInfo.xml><?xml version="1.0" encoding="utf-8"?>
+<p1510:revInfo xmlns:a="http://schemas.openxmlformats.org/drawingml/2006/main" xmlns:r="http://schemas.openxmlformats.org/officeDocument/2006/relationships" xmlns:p1510="http://schemas.microsoft.com/office/powerpoint/2015/10/main">
+  <p1510:revLst>
+    <p1510:client id="{A2864066-7729-4275-8EA4-55E0B846AAEA}" v="20" dt="2025-04-06T20:35:35.422"/>
+  </p1510:revLst>
+</p1510:revInfo>
+</file>
+
 <file path=ppt/changesInfos/changesInfo1.xml><?xml version="1.0" encoding="utf-8"?>
 <pc:chgInfo xmlns:a="http://schemas.openxmlformats.org/drawingml/2006/main" xmlns:r="http://schemas.openxmlformats.org/officeDocument/2006/relationships" xmlns:ac="http://schemas.microsoft.com/office/drawing/2013/main/command" xmlns:pc="http://schemas.microsoft.com/office/powerpoint/2013/main/command">
   <pc:docChgLst>
@@ -150,14 +158,6 @@
           <pc:docMk/>
           <pc:sldMk cId="1591653014" sldId="466"/>
         </pc:sldMkLst>
-        <pc:spChg chg="mod">
-          <ac:chgData name="Gerth Stølting Brodal" userId="04ef4784-6591-4f86-a140-f5c3b108582a" providerId="ADAL" clId="{808A8E8C-E864-4F20-9592-16FE57C30321}" dt="2024-04-21T21:04:14.800" v="105" actId="20577"/>
-          <ac:spMkLst>
-            <pc:docMk/>
-            <pc:sldMk cId="1591653014" sldId="466"/>
-            <ac:spMk id="3" creationId="{00000000-0000-0000-0000-000000000000}"/>
-          </ac:spMkLst>
-        </pc:spChg>
       </pc:sldChg>
       <pc:sldChg chg="modNotesTx">
         <pc:chgData name="Gerth Stølting Brodal" userId="04ef4784-6591-4f86-a140-f5c3b108582a" providerId="ADAL" clId="{808A8E8C-E864-4F20-9592-16FE57C30321}" dt="2024-04-17T07:05:57.485" v="99" actId="20577"/>
@@ -172,14 +172,6 @@
           <pc:docMk/>
           <pc:sldMk cId="3693141304" sldId="774"/>
         </pc:sldMkLst>
-        <pc:spChg chg="mod">
-          <ac:chgData name="Gerth Stølting Brodal" userId="04ef4784-6591-4f86-a140-f5c3b108582a" providerId="ADAL" clId="{808A8E8C-E864-4F20-9592-16FE57C30321}" dt="2024-04-17T06:40:34.640" v="1" actId="20577"/>
-          <ac:spMkLst>
-            <pc:docMk/>
-            <pc:sldMk cId="3693141304" sldId="774"/>
-            <ac:spMk id="3" creationId="{00000000-0000-0000-0000-000000000000}"/>
-          </ac:spMkLst>
-        </pc:spChg>
       </pc:sldChg>
     </pc:docChg>
   </pc:docChgLst>
@@ -196,14 +188,6 @@
           <pc:docMk/>
           <pc:sldMk cId="3341382760" sldId="660"/>
         </pc:sldMkLst>
-        <pc:spChg chg="add del mod">
-          <ac:chgData name="Gerth Stølting Brodal" userId="04ef4784-6591-4f86-a140-f5c3b108582a" providerId="ADAL" clId="{2164AC87-6B14-4821-88A5-C4E818E611EC}" dt="2022-04-20T11:14:45.626" v="135"/>
-          <ac:spMkLst>
-            <pc:docMk/>
-            <pc:sldMk cId="3341382760" sldId="660"/>
-            <ac:spMk id="7" creationId="{8663191D-98B8-4323-A9EF-13D0E80F85C6}"/>
-          </ac:spMkLst>
-        </pc:spChg>
       </pc:sldChg>
       <pc:sldChg chg="modSp mod">
         <pc:chgData name="Gerth Stølting Brodal" userId="04ef4784-6591-4f86-a140-f5c3b108582a" providerId="ADAL" clId="{2164AC87-6B14-4821-88A5-C4E818E611EC}" dt="2022-04-20T07:30:03.124" v="3" actId="20577"/>
@@ -211,14 +195,6 @@
           <pc:docMk/>
           <pc:sldMk cId="3693141304" sldId="774"/>
         </pc:sldMkLst>
-        <pc:spChg chg="mod">
-          <ac:chgData name="Gerth Stølting Brodal" userId="04ef4784-6591-4f86-a140-f5c3b108582a" providerId="ADAL" clId="{2164AC87-6B14-4821-88A5-C4E818E611EC}" dt="2022-04-20T07:30:03.124" v="3" actId="20577"/>
-          <ac:spMkLst>
-            <pc:docMk/>
-            <pc:sldMk cId="3693141304" sldId="774"/>
-            <ac:spMk id="3" creationId="{00000000-0000-0000-0000-000000000000}"/>
-          </ac:spMkLst>
-        </pc:spChg>
       </pc:sldChg>
       <pc:sldChg chg="modSp mod">
         <pc:chgData name="Gerth Stølting Brodal" userId="04ef4784-6591-4f86-a140-f5c3b108582a" providerId="ADAL" clId="{2164AC87-6B14-4821-88A5-C4E818E611EC}" dt="2022-04-20T07:36:56.776" v="13" actId="20577"/>
@@ -226,14 +202,6 @@
           <pc:docMk/>
           <pc:sldMk cId="1864606071" sldId="778"/>
         </pc:sldMkLst>
-        <pc:graphicFrameChg chg="modGraphic">
-          <ac:chgData name="Gerth Stølting Brodal" userId="04ef4784-6591-4f86-a140-f5c3b108582a" providerId="ADAL" clId="{2164AC87-6B14-4821-88A5-C4E818E611EC}" dt="2022-04-20T07:36:56.776" v="13" actId="20577"/>
-          <ac:graphicFrameMkLst>
-            <pc:docMk/>
-            <pc:sldMk cId="1864606071" sldId="778"/>
-            <ac:graphicFrameMk id="8" creationId="{00000000-0000-0000-0000-000000000000}"/>
-          </ac:graphicFrameMkLst>
-        </pc:graphicFrameChg>
       </pc:sldChg>
       <pc:sldChg chg="modNotesTx">
         <pc:chgData name="Gerth Stølting Brodal" userId="04ef4784-6591-4f86-a140-f5c3b108582a" providerId="ADAL" clId="{2164AC87-6B14-4821-88A5-C4E818E611EC}" dt="2022-04-20T07:49:58.187" v="133" actId="20577"/>
@@ -248,14 +216,6 @@
           <pc:docMk/>
           <pc:sldMk cId="3956128854" sldId="788"/>
         </pc:sldMkLst>
-        <pc:spChg chg="add mod">
-          <ac:chgData name="Gerth Stølting Brodal" userId="04ef4784-6591-4f86-a140-f5c3b108582a" providerId="ADAL" clId="{2164AC87-6B14-4821-88A5-C4E818E611EC}" dt="2022-04-20T11:14:48.592" v="136"/>
-          <ac:spMkLst>
-            <pc:docMk/>
-            <pc:sldMk cId="3956128854" sldId="788"/>
-            <ac:spMk id="20" creationId="{D7254EC2-946E-4C24-AF46-E0062D627CAB}"/>
-          </ac:spMkLst>
-        </pc:spChg>
       </pc:sldChg>
       <pc:sldChg chg="addSp delSp modSp new mod">
         <pc:chgData name="Gerth Stølting Brodal" userId="04ef4784-6591-4f86-a140-f5c3b108582a" providerId="ADAL" clId="{2164AC87-6B14-4821-88A5-C4E818E611EC}" dt="2022-04-20T11:41:30.869" v="686" actId="20577"/>
@@ -263,78 +223,6 @@
           <pc:docMk/>
           <pc:sldMk cId="1478869086" sldId="790"/>
         </pc:sldMkLst>
-        <pc:spChg chg="mod">
-          <ac:chgData name="Gerth Stølting Brodal" userId="04ef4784-6591-4f86-a140-f5c3b108582a" providerId="ADAL" clId="{2164AC87-6B14-4821-88A5-C4E818E611EC}" dt="2022-04-20T11:33:18.854" v="468" actId="2711"/>
-          <ac:spMkLst>
-            <pc:docMk/>
-            <pc:sldMk cId="1478869086" sldId="790"/>
-            <ac:spMk id="2" creationId="{72F81AC0-7BE2-4DC1-9F85-AB546A2F4A15}"/>
-          </ac:spMkLst>
-        </pc:spChg>
-        <pc:spChg chg="del">
-          <ac:chgData name="Gerth Stølting Brodal" userId="04ef4784-6591-4f86-a140-f5c3b108582a" providerId="ADAL" clId="{2164AC87-6B14-4821-88A5-C4E818E611EC}" dt="2022-04-20T11:32:17.784" v="441" actId="478"/>
-          <ac:spMkLst>
-            <pc:docMk/>
-            <pc:sldMk cId="1478869086" sldId="790"/>
-            <ac:spMk id="3" creationId="{F7918A79-03AC-45B8-BB91-8EBD33644ECE}"/>
-          </ac:spMkLst>
-        </pc:spChg>
-        <pc:spChg chg="add del">
-          <ac:chgData name="Gerth Stølting Brodal" userId="04ef4784-6591-4f86-a140-f5c3b108582a" providerId="ADAL" clId="{2164AC87-6B14-4821-88A5-C4E818E611EC}" dt="2022-04-20T11:24:29.899" v="139" actId="22"/>
-          <ac:spMkLst>
-            <pc:docMk/>
-            <pc:sldMk cId="1478869086" sldId="790"/>
-            <ac:spMk id="5" creationId="{2B6583F0-6A1E-4D46-B4C0-AF6859571942}"/>
-          </ac:spMkLst>
-        </pc:spChg>
-        <pc:spChg chg="add del">
-          <ac:chgData name="Gerth Stølting Brodal" userId="04ef4784-6591-4f86-a140-f5c3b108582a" providerId="ADAL" clId="{2164AC87-6B14-4821-88A5-C4E818E611EC}" dt="2022-04-20T11:33:29.234" v="470" actId="22"/>
-          <ac:spMkLst>
-            <pc:docMk/>
-            <pc:sldMk cId="1478869086" sldId="790"/>
-            <ac:spMk id="9" creationId="{F03FF9AC-291F-4DDC-8C35-1D7EA37C7639}"/>
-          </ac:spMkLst>
-        </pc:spChg>
-        <pc:spChg chg="add mod">
-          <ac:chgData name="Gerth Stølting Brodal" userId="04ef4784-6591-4f86-a140-f5c3b108582a" providerId="ADAL" clId="{2164AC87-6B14-4821-88A5-C4E818E611EC}" dt="2022-04-20T11:41:30.869" v="686" actId="20577"/>
-          <ac:spMkLst>
-            <pc:docMk/>
-            <pc:sldMk cId="1478869086" sldId="790"/>
-            <ac:spMk id="10" creationId="{AC47CB29-1260-4C4C-A3AA-8585FA059BD6}"/>
-          </ac:spMkLst>
-        </pc:spChg>
-        <pc:spChg chg="add del mod">
-          <ac:chgData name="Gerth Stølting Brodal" userId="04ef4784-6591-4f86-a140-f5c3b108582a" providerId="ADAL" clId="{2164AC87-6B14-4821-88A5-C4E818E611EC}" dt="2022-04-20T11:36:32.464" v="565"/>
-          <ac:spMkLst>
-            <pc:docMk/>
-            <pc:sldMk cId="1478869086" sldId="790"/>
-            <ac:spMk id="11" creationId="{370E00D5-0CE1-4F40-9DF9-AC7AC6CE8E80}"/>
-          </ac:spMkLst>
-        </pc:spChg>
-        <pc:graphicFrameChg chg="add mod modGraphic">
-          <ac:chgData name="Gerth Stølting Brodal" userId="04ef4784-6591-4f86-a140-f5c3b108582a" providerId="ADAL" clId="{2164AC87-6B14-4821-88A5-C4E818E611EC}" dt="2022-04-20T11:40:50.550" v="683" actId="1076"/>
-          <ac:graphicFrameMkLst>
-            <pc:docMk/>
-            <pc:sldMk cId="1478869086" sldId="790"/>
-            <ac:graphicFrameMk id="6" creationId="{36C27043-1223-40A7-9D1C-D3FCE10864D3}"/>
-          </ac:graphicFrameMkLst>
-        </pc:graphicFrameChg>
-        <pc:graphicFrameChg chg="add mod modGraphic">
-          <ac:chgData name="Gerth Stølting Brodal" userId="04ef4784-6591-4f86-a140-f5c3b108582a" providerId="ADAL" clId="{2164AC87-6B14-4821-88A5-C4E818E611EC}" dt="2022-04-20T11:40:46.444" v="682" actId="1076"/>
-          <ac:graphicFrameMkLst>
-            <pc:docMk/>
-            <pc:sldMk cId="1478869086" sldId="790"/>
-            <ac:graphicFrameMk id="12" creationId="{095D38DE-1174-4280-BD92-982BCA5F301F}"/>
-          </ac:graphicFrameMkLst>
-        </pc:graphicFrameChg>
-        <pc:picChg chg="add mod">
-          <ac:chgData name="Gerth Stølting Brodal" userId="04ef4784-6591-4f86-a140-f5c3b108582a" providerId="ADAL" clId="{2164AC87-6B14-4821-88A5-C4E818E611EC}" dt="2022-04-20T11:40:56.982" v="684" actId="1076"/>
-          <ac:picMkLst>
-            <pc:docMk/>
-            <pc:sldMk cId="1478869086" sldId="790"/>
-            <ac:picMk id="7" creationId="{190C25B2-2BB1-4A42-929D-0EC26085D73B}"/>
-          </ac:picMkLst>
-        </pc:picChg>
       </pc:sldChg>
     </pc:docChg>
   </pc:docChgLst>
@@ -351,14 +239,6 @@
           <pc:docMk/>
           <pc:sldMk cId="1591653014" sldId="466"/>
         </pc:sldMkLst>
-        <pc:spChg chg="mod">
-          <ac:chgData name="Gerth Stølting Brodal" userId="04ef4784-6591-4f86-a140-f5c3b108582a" providerId="ADAL" clId="{A080D9BA-16EC-4AEE-988E-46CF3D7B74AC}" dt="2023-04-24T05:58:33.232" v="190" actId="313"/>
-          <ac:spMkLst>
-            <pc:docMk/>
-            <pc:sldMk cId="1591653014" sldId="466"/>
-            <ac:spMk id="3" creationId="{00000000-0000-0000-0000-000000000000}"/>
-          </ac:spMkLst>
-        </pc:spChg>
       </pc:sldChg>
       <pc:sldChg chg="modSp mod">
         <pc:chgData name="Gerth Stølting Brodal" userId="04ef4784-6591-4f86-a140-f5c3b108582a" providerId="ADAL" clId="{A080D9BA-16EC-4AEE-988E-46CF3D7B74AC}" dt="2023-04-24T06:10:52.544" v="211" actId="114"/>
@@ -366,14 +246,6 @@
           <pc:docMk/>
           <pc:sldMk cId="3341382760" sldId="660"/>
         </pc:sldMkLst>
-        <pc:spChg chg="mod">
-          <ac:chgData name="Gerth Stølting Brodal" userId="04ef4784-6591-4f86-a140-f5c3b108582a" providerId="ADAL" clId="{A080D9BA-16EC-4AEE-988E-46CF3D7B74AC}" dt="2023-04-24T06:10:52.544" v="211" actId="114"/>
-          <ac:spMkLst>
-            <pc:docMk/>
-            <pc:sldMk cId="3341382760" sldId="660"/>
-            <ac:spMk id="3" creationId="{00000000-0000-0000-0000-000000000000}"/>
-          </ac:spMkLst>
-        </pc:spChg>
       </pc:sldChg>
       <pc:sldChg chg="modSp mod">
         <pc:chgData name="Gerth Stølting Brodal" userId="04ef4784-6591-4f86-a140-f5c3b108582a" providerId="ADAL" clId="{A080D9BA-16EC-4AEE-988E-46CF3D7B74AC}" dt="2023-04-24T05:59:11.976" v="208" actId="313"/>
@@ -381,14 +253,6 @@
           <pc:docMk/>
           <pc:sldMk cId="1385633794" sldId="737"/>
         </pc:sldMkLst>
-        <pc:graphicFrameChg chg="modGraphic">
-          <ac:chgData name="Gerth Stølting Brodal" userId="04ef4784-6591-4f86-a140-f5c3b108582a" providerId="ADAL" clId="{A080D9BA-16EC-4AEE-988E-46CF3D7B74AC}" dt="2023-04-24T05:59:11.976" v="208" actId="313"/>
-          <ac:graphicFrameMkLst>
-            <pc:docMk/>
-            <pc:sldMk cId="1385633794" sldId="737"/>
-            <ac:graphicFrameMk id="5" creationId="{00000000-0000-0000-0000-000000000000}"/>
-          </ac:graphicFrameMkLst>
-        </pc:graphicFrameChg>
       </pc:sldChg>
       <pc:sldChg chg="addSp modSp mod modNotesTx">
         <pc:chgData name="Gerth Stølting Brodal" userId="04ef4784-6591-4f86-a140-f5c3b108582a" providerId="ADAL" clId="{A080D9BA-16EC-4AEE-988E-46CF3D7B74AC}" dt="2023-04-24T05:59:27.628" v="210" actId="313"/>
@@ -396,22 +260,6 @@
           <pc:docMk/>
           <pc:sldMk cId="664324381" sldId="771"/>
         </pc:sldMkLst>
-        <pc:graphicFrameChg chg="mod modGraphic">
-          <ac:chgData name="Gerth Stølting Brodal" userId="04ef4784-6591-4f86-a140-f5c3b108582a" providerId="ADAL" clId="{A080D9BA-16EC-4AEE-988E-46CF3D7B74AC}" dt="2023-04-18T19:17:52.404" v="40"/>
-          <ac:graphicFrameMkLst>
-            <pc:docMk/>
-            <pc:sldMk cId="664324381" sldId="771"/>
-            <ac:graphicFrameMk id="6" creationId="{00000000-0000-0000-0000-000000000000}"/>
-          </ac:graphicFrameMkLst>
-        </pc:graphicFrameChg>
-        <pc:picChg chg="add mod">
-          <ac:chgData name="Gerth Stølting Brodal" userId="04ef4784-6591-4f86-a140-f5c3b108582a" providerId="ADAL" clId="{A080D9BA-16EC-4AEE-988E-46CF3D7B74AC}" dt="2023-04-24T05:46:18.101" v="161" actId="1076"/>
-          <ac:picMkLst>
-            <pc:docMk/>
-            <pc:sldMk cId="664324381" sldId="771"/>
-            <ac:picMk id="4" creationId="{49B87005-3E56-6328-F773-D5DB2C6D4D98}"/>
-          </ac:picMkLst>
-        </pc:picChg>
       </pc:sldChg>
       <pc:sldChg chg="modSp mod">
         <pc:chgData name="Gerth Stølting Brodal" userId="04ef4784-6591-4f86-a140-f5c3b108582a" providerId="ADAL" clId="{A080D9BA-16EC-4AEE-988E-46CF3D7B74AC}" dt="2023-04-18T19:12:47.451" v="33" actId="20577"/>
@@ -419,14 +267,6 @@
           <pc:docMk/>
           <pc:sldMk cId="3693141304" sldId="774"/>
         </pc:sldMkLst>
-        <pc:spChg chg="mod">
-          <ac:chgData name="Gerth Stølting Brodal" userId="04ef4784-6591-4f86-a140-f5c3b108582a" providerId="ADAL" clId="{A080D9BA-16EC-4AEE-988E-46CF3D7B74AC}" dt="2023-04-18T19:12:47.451" v="33" actId="20577"/>
-          <ac:spMkLst>
-            <pc:docMk/>
-            <pc:sldMk cId="3693141304" sldId="774"/>
-            <ac:spMk id="3" creationId="{00000000-0000-0000-0000-000000000000}"/>
-          </ac:spMkLst>
-        </pc:spChg>
       </pc:sldChg>
       <pc:sldChg chg="modNotesTx">
         <pc:chgData name="Gerth Stølting Brodal" userId="04ef4784-6591-4f86-a140-f5c3b108582a" providerId="ADAL" clId="{A080D9BA-16EC-4AEE-988E-46CF3D7B74AC}" dt="2023-04-18T19:11:57.691" v="29" actId="20577"/>
@@ -448,8 +288,89 @@
           <pc:docMk/>
           <pc:sldMk cId="1192181667" sldId="781"/>
         </pc:sldMkLst>
-        <pc:graphicFrameChg chg="modGraphic">
-          <ac:chgData name="Gerth Stølting Brodal" userId="04ef4784-6591-4f86-a140-f5c3b108582a" providerId="ADAL" clId="{A080D9BA-16EC-4AEE-988E-46CF3D7B74AC}" dt="2023-04-24T05:58:38.442" v="194" actId="313"/>
+      </pc:sldChg>
+      <pc:sldChg chg="modSp mod">
+        <pc:chgData name="Gerth Stølting Brodal" userId="04ef4784-6591-4f86-a140-f5c3b108582a" providerId="ADAL" clId="{A080D9BA-16EC-4AEE-988E-46CF3D7B74AC}" dt="2023-04-18T19:47:31.371" v="138" actId="14100"/>
+        <pc:sldMkLst>
+          <pc:docMk/>
+          <pc:sldMk cId="1523777493" sldId="782"/>
+        </pc:sldMkLst>
+      </pc:sldChg>
+      <pc:sldChg chg="modSp mod">
+        <pc:chgData name="Gerth Stølting Brodal" userId="04ef4784-6591-4f86-a140-f5c3b108582a" providerId="ADAL" clId="{A080D9BA-16EC-4AEE-988E-46CF3D7B74AC}" dt="2023-04-24T05:58:22.773" v="182" actId="313"/>
+        <pc:sldMkLst>
+          <pc:docMk/>
+          <pc:sldMk cId="2596356894" sldId="784"/>
+        </pc:sldMkLst>
+      </pc:sldChg>
+      <pc:sldChg chg="addSp modSp">
+        <pc:chgData name="Gerth Stølting Brodal" userId="04ef4784-6591-4f86-a140-f5c3b108582a" providerId="ADAL" clId="{A080D9BA-16EC-4AEE-988E-46CF3D7B74AC}" dt="2023-04-18T19:54:24.241" v="139"/>
+        <pc:sldMkLst>
+          <pc:docMk/>
+          <pc:sldMk cId="3590058370" sldId="785"/>
+        </pc:sldMkLst>
+      </pc:sldChg>
+      <pc:sldChg chg="modSp mod">
+        <pc:chgData name="Gerth Stølting Brodal" userId="04ef4784-6591-4f86-a140-f5c3b108582a" providerId="ADAL" clId="{A080D9BA-16EC-4AEE-988E-46CF3D7B74AC}" dt="2023-04-24T05:56:35.139" v="174" actId="6549"/>
+        <pc:sldMkLst>
+          <pc:docMk/>
+          <pc:sldMk cId="2057769851" sldId="786"/>
+        </pc:sldMkLst>
+      </pc:sldChg>
+      <pc:sldChg chg="modSp mod">
+        <pc:chgData name="Gerth Stølting Brodal" userId="04ef4784-6591-4f86-a140-f5c3b108582a" providerId="ADAL" clId="{A080D9BA-16EC-4AEE-988E-46CF3D7B74AC}" dt="2023-04-24T05:58:29.335" v="188" actId="313"/>
+        <pc:sldMkLst>
+          <pc:docMk/>
+          <pc:sldMk cId="1145542974" sldId="787"/>
+        </pc:sldMkLst>
+      </pc:sldChg>
+      <pc:sldChg chg="modNotesTx">
+        <pc:chgData name="Gerth Stølting Brodal" userId="04ef4784-6591-4f86-a140-f5c3b108582a" providerId="ADAL" clId="{A080D9BA-16EC-4AEE-988E-46CF3D7B74AC}" dt="2023-04-18T19:26:26.981" v="131" actId="20577"/>
+        <pc:sldMkLst>
+          <pc:docMk/>
+          <pc:sldMk cId="1478869086" sldId="790"/>
+        </pc:sldMkLst>
+      </pc:sldChg>
+    </pc:docChg>
+  </pc:docChgLst>
+  <pc:docChgLst>
+    <pc:chgData name="Gerth Stølting Brodal" userId="04ef4784-6591-4f86-a140-f5c3b108582a" providerId="ADAL" clId="{A2864066-7729-4275-8EA4-55E0B846AAEA}"/>
+    <pc:docChg chg="modSld">
+      <pc:chgData name="Gerth Stølting Brodal" userId="04ef4784-6591-4f86-a140-f5c3b108582a" providerId="ADAL" clId="{A2864066-7729-4275-8EA4-55E0B846AAEA}" dt="2025-04-06T20:35:35.422" v="16"/>
+      <pc:docMkLst>
+        <pc:docMk/>
+      </pc:docMkLst>
+      <pc:sldChg chg="modSp">
+        <pc:chgData name="Gerth Stølting Brodal" userId="04ef4784-6591-4f86-a140-f5c3b108582a" providerId="ADAL" clId="{A2864066-7729-4275-8EA4-55E0B846AAEA}" dt="2025-04-06T20:35:35.422" v="16"/>
+        <pc:sldMkLst>
+          <pc:docMk/>
+          <pc:sldMk cId="1385633794" sldId="737"/>
+        </pc:sldMkLst>
+        <pc:graphicFrameChg chg="mod">
+          <ac:chgData name="Gerth Stølting Brodal" userId="04ef4784-6591-4f86-a140-f5c3b108582a" providerId="ADAL" clId="{A2864066-7729-4275-8EA4-55E0B846AAEA}" dt="2025-04-06T20:33:15.234" v="13"/>
+          <ac:graphicFrameMkLst>
+            <pc:docMk/>
+            <pc:sldMk cId="1385633794" sldId="737"/>
+            <ac:graphicFrameMk id="5" creationId="{00000000-0000-0000-0000-000000000000}"/>
+          </ac:graphicFrameMkLst>
+        </pc:graphicFrameChg>
+        <pc:graphicFrameChg chg="mod">
+          <ac:chgData name="Gerth Stølting Brodal" userId="04ef4784-6591-4f86-a140-f5c3b108582a" providerId="ADAL" clId="{A2864066-7729-4275-8EA4-55E0B846AAEA}" dt="2025-04-06T20:35:35.422" v="16"/>
+          <ac:graphicFrameMkLst>
+            <pc:docMk/>
+            <pc:sldMk cId="1385633794" sldId="737"/>
+            <ac:graphicFrameMk id="6" creationId="{00000000-0000-0000-0000-000000000000}"/>
+          </ac:graphicFrameMkLst>
+        </pc:graphicFrameChg>
+      </pc:sldChg>
+      <pc:sldChg chg="modSp">
+        <pc:chgData name="Gerth Stølting Brodal" userId="04ef4784-6591-4f86-a140-f5c3b108582a" providerId="ADAL" clId="{A2864066-7729-4275-8EA4-55E0B846AAEA}" dt="2025-04-06T20:05:26.132" v="2"/>
+        <pc:sldMkLst>
+          <pc:docMk/>
+          <pc:sldMk cId="1192181667" sldId="781"/>
+        </pc:sldMkLst>
+        <pc:graphicFrameChg chg="mod">
+          <ac:chgData name="Gerth Stølting Brodal" userId="04ef4784-6591-4f86-a140-f5c3b108582a" providerId="ADAL" clId="{A2864066-7729-4275-8EA4-55E0B846AAEA}" dt="2025-04-06T20:05:26.132" v="2"/>
           <ac:graphicFrameMkLst>
             <pc:docMk/>
             <pc:sldMk cId="1192181667" sldId="781"/>
@@ -457,87 +378,20 @@
           </ac:graphicFrameMkLst>
         </pc:graphicFrameChg>
       </pc:sldChg>
-      <pc:sldChg chg="modSp mod">
-        <pc:chgData name="Gerth Stølting Brodal" userId="04ef4784-6591-4f86-a140-f5c3b108582a" providerId="ADAL" clId="{A080D9BA-16EC-4AEE-988E-46CF3D7B74AC}" dt="2023-04-18T19:47:31.371" v="138" actId="14100"/>
-        <pc:sldMkLst>
-          <pc:docMk/>
-          <pc:sldMk cId="1523777493" sldId="782"/>
-        </pc:sldMkLst>
-        <pc:spChg chg="mod">
-          <ac:chgData name="Gerth Stølting Brodal" userId="04ef4784-6591-4f86-a140-f5c3b108582a" providerId="ADAL" clId="{A080D9BA-16EC-4AEE-988E-46CF3D7B74AC}" dt="2023-04-18T19:47:31.371" v="138" actId="14100"/>
-          <ac:spMkLst>
-            <pc:docMk/>
-            <pc:sldMk cId="1523777493" sldId="782"/>
-            <ac:spMk id="3" creationId="{00000000-0000-0000-0000-000000000000}"/>
-          </ac:spMkLst>
-        </pc:spChg>
-      </pc:sldChg>
-      <pc:sldChg chg="modSp mod">
-        <pc:chgData name="Gerth Stølting Brodal" userId="04ef4784-6591-4f86-a140-f5c3b108582a" providerId="ADAL" clId="{A080D9BA-16EC-4AEE-988E-46CF3D7B74AC}" dt="2023-04-24T05:58:22.773" v="182" actId="313"/>
-        <pc:sldMkLst>
-          <pc:docMk/>
-          <pc:sldMk cId="2596356894" sldId="784"/>
-        </pc:sldMkLst>
-        <pc:graphicFrameChg chg="modGraphic">
-          <ac:chgData name="Gerth Stølting Brodal" userId="04ef4784-6591-4f86-a140-f5c3b108582a" providerId="ADAL" clId="{A080D9BA-16EC-4AEE-988E-46CF3D7B74AC}" dt="2023-04-24T05:58:22.773" v="182" actId="313"/>
-          <ac:graphicFrameMkLst>
-            <pc:docMk/>
-            <pc:sldMk cId="2596356894" sldId="784"/>
-            <ac:graphicFrameMk id="6" creationId="{00000000-0000-0000-0000-000000000000}"/>
-          </ac:graphicFrameMkLst>
-        </pc:graphicFrameChg>
-      </pc:sldChg>
-      <pc:sldChg chg="addSp modSp">
-        <pc:chgData name="Gerth Stølting Brodal" userId="04ef4784-6591-4f86-a140-f5c3b108582a" providerId="ADAL" clId="{A080D9BA-16EC-4AEE-988E-46CF3D7B74AC}" dt="2023-04-18T19:54:24.241" v="139"/>
-        <pc:sldMkLst>
-          <pc:docMk/>
-          <pc:sldMk cId="3590058370" sldId="785"/>
-        </pc:sldMkLst>
-        <pc:spChg chg="add mod">
-          <ac:chgData name="Gerth Stølting Brodal" userId="04ef4784-6591-4f86-a140-f5c3b108582a" providerId="ADAL" clId="{A080D9BA-16EC-4AEE-988E-46CF3D7B74AC}" dt="2023-04-18T19:54:24.241" v="139"/>
-          <ac:spMkLst>
-            <pc:docMk/>
-            <pc:sldMk cId="3590058370" sldId="785"/>
-            <ac:spMk id="3" creationId="{82E1DB06-B049-075A-BA23-D831E3274BDD}"/>
-          </ac:spMkLst>
-        </pc:spChg>
-      </pc:sldChg>
-      <pc:sldChg chg="modSp mod">
-        <pc:chgData name="Gerth Stølting Brodal" userId="04ef4784-6591-4f86-a140-f5c3b108582a" providerId="ADAL" clId="{A080D9BA-16EC-4AEE-988E-46CF3D7B74AC}" dt="2023-04-24T05:56:35.139" v="174" actId="6549"/>
-        <pc:sldMkLst>
-          <pc:docMk/>
-          <pc:sldMk cId="2057769851" sldId="786"/>
-        </pc:sldMkLst>
-        <pc:graphicFrameChg chg="modGraphic">
-          <ac:chgData name="Gerth Stølting Brodal" userId="04ef4784-6591-4f86-a140-f5c3b108582a" providerId="ADAL" clId="{A080D9BA-16EC-4AEE-988E-46CF3D7B74AC}" dt="2023-04-24T05:56:35.139" v="174" actId="6549"/>
-          <ac:graphicFrameMkLst>
-            <pc:docMk/>
-            <pc:sldMk cId="2057769851" sldId="786"/>
-            <ac:graphicFrameMk id="4" creationId="{00000000-0000-0000-0000-000000000000}"/>
-          </ac:graphicFrameMkLst>
-        </pc:graphicFrameChg>
-      </pc:sldChg>
-      <pc:sldChg chg="modSp mod">
-        <pc:chgData name="Gerth Stølting Brodal" userId="04ef4784-6591-4f86-a140-f5c3b108582a" providerId="ADAL" clId="{A080D9BA-16EC-4AEE-988E-46CF3D7B74AC}" dt="2023-04-24T05:58:29.335" v="188" actId="313"/>
-        <pc:sldMkLst>
-          <pc:docMk/>
-          <pc:sldMk cId="1145542974" sldId="787"/>
-        </pc:sldMkLst>
-        <pc:graphicFrameChg chg="modGraphic">
-          <ac:chgData name="Gerth Stølting Brodal" userId="04ef4784-6591-4f86-a140-f5c3b108582a" providerId="ADAL" clId="{A080D9BA-16EC-4AEE-988E-46CF3D7B74AC}" dt="2023-04-24T05:58:29.335" v="188" actId="313"/>
-          <ac:graphicFrameMkLst>
-            <pc:docMk/>
-            <pc:sldMk cId="1145542974" sldId="787"/>
-            <ac:graphicFrameMk id="6" creationId="{00000000-0000-0000-0000-000000000000}"/>
-          </ac:graphicFrameMkLst>
-        </pc:graphicFrameChg>
-      </pc:sldChg>
-      <pc:sldChg chg="modNotesTx">
-        <pc:chgData name="Gerth Stølting Brodal" userId="04ef4784-6591-4f86-a140-f5c3b108582a" providerId="ADAL" clId="{A080D9BA-16EC-4AEE-988E-46CF3D7B74AC}" dt="2023-04-18T19:26:26.981" v="131" actId="20577"/>
+      <pc:sldChg chg="modSp">
+        <pc:chgData name="Gerth Stølting Brodal" userId="04ef4784-6591-4f86-a140-f5c3b108582a" providerId="ADAL" clId="{A2864066-7729-4275-8EA4-55E0B846AAEA}" dt="2025-04-06T20:26:08.930" v="11"/>
         <pc:sldMkLst>
           <pc:docMk/>
           <pc:sldMk cId="1478869086" sldId="790"/>
         </pc:sldMkLst>
+        <pc:graphicFrameChg chg="mod">
+          <ac:chgData name="Gerth Stølting Brodal" userId="04ef4784-6591-4f86-a140-f5c3b108582a" providerId="ADAL" clId="{A2864066-7729-4275-8EA4-55E0B846AAEA}" dt="2025-04-06T20:26:08.930" v="11"/>
+          <ac:graphicFrameMkLst>
+            <pc:docMk/>
+            <pc:sldMk cId="1478869086" sldId="790"/>
+            <ac:graphicFrameMk id="6" creationId="{36C27043-1223-40A7-9D1C-D3FCE10864D3}"/>
+          </ac:graphicFrameMkLst>
+        </pc:graphicFrameChg>
       </pc:sldChg>
     </pc:docChg>
   </pc:docChgLst>
@@ -626,7 +480,7 @@
           <a:p>
             <a:fld id="{FB1A172F-81D4-4DC4-9113-1DBD56EC3646}" type="datetimeFigureOut">
               <a:rPr lang="en-US" smtClean="0"/>
-              <a:t>4/21/2024</a:t>
+              <a:t>4/6/2025</a:t>
             </a:fld>
             <a:endParaRPr lang="en-US"/>
           </a:p>
@@ -1492,7 +1346,13 @@
             </a:r>
             <a:r>
               <a:rPr lang="en-US" dirty="0"/>
-              <a:t> defines __all__ but e.g. matplotlib or </a:t>
+              <a:t> defines __all__ </a:t>
+            </a:r>
+          </a:p>
+          <a:p>
+            <a:r>
+              <a:rPr lang="en-US" dirty="0"/>
+              <a:t>matplotlib also but </a:t>
             </a:r>
             <a:r>
               <a:rPr lang="en-US" dirty="0" err="1"/>
@@ -1500,7 +1360,7 @@
             </a:r>
             <a:r>
               <a:rPr lang="en-US" dirty="0"/>
-              <a:t> do not</a:t>
+              <a:t> not</a:t>
             </a:r>
             <a:endParaRPr lang="da-DK" dirty="0"/>
           </a:p>
@@ -2046,6 +1906,34 @@
           <a:bodyPr/>
           <a:lstStyle/>
           <a:p>
+            <a:r>
+              <a:rPr lang="da-DK" dirty="0"/>
+              <a:t>Open "</a:t>
+            </a:r>
+            <a:r>
+              <a:rPr lang="da-DK" dirty="0" err="1"/>
+              <a:t>control</a:t>
+            </a:r>
+            <a:r>
+              <a:rPr lang="da-DK" dirty="0"/>
+              <a:t> panel" and </a:t>
+            </a:r>
+            <a:r>
+              <a:rPr lang="da-DK" dirty="0" err="1"/>
+              <a:t>search</a:t>
+            </a:r>
+            <a:r>
+              <a:rPr lang="da-DK" dirty="0"/>
+              <a:t> for "</a:t>
+            </a:r>
+            <a:r>
+              <a:rPr lang="da-DK" dirty="0" err="1"/>
+              <a:t>environment</a:t>
+            </a:r>
+            <a:r>
+              <a:rPr lang="da-DK" dirty="0"/>
+              <a:t> variables"</a:t>
+            </a:r>
             <a:endParaRPr lang="en-US" dirty="0"/>
           </a:p>
         </p:txBody>
@@ -2223,7 +2111,7 @@
           <a:p>
             <a:fld id="{0560A9CD-0304-4E0B-9E82-E7E0115DE05B}" type="datetimeFigureOut">
               <a:rPr lang="en-US" smtClean="0"/>
-              <a:t>4/21/2024</a:t>
+              <a:t>4/6/2025</a:t>
             </a:fld>
             <a:endParaRPr lang="en-US"/>
           </a:p>
@@ -2391,7 +2279,7 @@
           <a:p>
             <a:fld id="{0560A9CD-0304-4E0B-9E82-E7E0115DE05B}" type="datetimeFigureOut">
               <a:rPr lang="en-US" smtClean="0"/>
-              <a:t>4/21/2024</a:t>
+              <a:t>4/6/2025</a:t>
             </a:fld>
             <a:endParaRPr lang="en-US"/>
           </a:p>
@@ -2569,7 +2457,7 @@
           <a:p>
             <a:fld id="{0560A9CD-0304-4E0B-9E82-E7E0115DE05B}" type="datetimeFigureOut">
               <a:rPr lang="en-US" smtClean="0"/>
-              <a:t>4/21/2024</a:t>
+              <a:t>4/6/2025</a:t>
             </a:fld>
             <a:endParaRPr lang="en-US"/>
           </a:p>
@@ -2752,7 +2640,7 @@
           <a:p>
             <a:fld id="{0560A9CD-0304-4E0B-9E82-E7E0115DE05B}" type="datetimeFigureOut">
               <a:rPr lang="en-US" smtClean="0"/>
-              <a:t>4/21/2024</a:t>
+              <a:t>4/6/2025</a:t>
             </a:fld>
             <a:endParaRPr lang="en-US"/>
           </a:p>
@@ -2997,7 +2885,7 @@
           <a:p>
             <a:fld id="{0560A9CD-0304-4E0B-9E82-E7E0115DE05B}" type="datetimeFigureOut">
               <a:rPr lang="en-US" smtClean="0"/>
-              <a:t>4/21/2024</a:t>
+              <a:t>4/6/2025</a:t>
             </a:fld>
             <a:endParaRPr lang="en-US"/>
           </a:p>
@@ -3226,7 +3114,7 @@
           <a:p>
             <a:fld id="{0560A9CD-0304-4E0B-9E82-E7E0115DE05B}" type="datetimeFigureOut">
               <a:rPr lang="en-US" smtClean="0"/>
-              <a:t>4/21/2024</a:t>
+              <a:t>4/6/2025</a:t>
             </a:fld>
             <a:endParaRPr lang="en-US"/>
           </a:p>
@@ -3590,7 +3478,7 @@
           <a:p>
             <a:fld id="{0560A9CD-0304-4E0B-9E82-E7E0115DE05B}" type="datetimeFigureOut">
               <a:rPr lang="en-US" smtClean="0"/>
-              <a:t>4/21/2024</a:t>
+              <a:t>4/6/2025</a:t>
             </a:fld>
             <a:endParaRPr lang="en-US"/>
           </a:p>
@@ -3707,7 +3595,7 @@
           <a:p>
             <a:fld id="{0560A9CD-0304-4E0B-9E82-E7E0115DE05B}" type="datetimeFigureOut">
               <a:rPr lang="en-US" smtClean="0"/>
-              <a:t>4/21/2024</a:t>
+              <a:t>4/6/2025</a:t>
             </a:fld>
             <a:endParaRPr lang="en-US"/>
           </a:p>
@@ -3802,7 +3690,7 @@
           <a:p>
             <a:fld id="{0560A9CD-0304-4E0B-9E82-E7E0115DE05B}" type="datetimeFigureOut">
               <a:rPr lang="en-US" smtClean="0"/>
-              <a:t>4/21/2024</a:t>
+              <a:t>4/6/2025</a:t>
             </a:fld>
             <a:endParaRPr lang="en-US"/>
           </a:p>
@@ -4077,7 +3965,7 @@
           <a:p>
             <a:fld id="{0560A9CD-0304-4E0B-9E82-E7E0115DE05B}" type="datetimeFigureOut">
               <a:rPr lang="en-US" smtClean="0"/>
-              <a:t>4/21/2024</a:t>
+              <a:t>4/6/2025</a:t>
             </a:fld>
             <a:endParaRPr lang="en-US"/>
           </a:p>
@@ -4329,7 +4217,7 @@
           <a:p>
             <a:fld id="{0560A9CD-0304-4E0B-9E82-E7E0115DE05B}" type="datetimeFigureOut">
               <a:rPr lang="en-US" smtClean="0"/>
-              <a:t>4/21/2024</a:t>
+              <a:t>4/6/2025</a:t>
             </a:fld>
             <a:endParaRPr lang="en-US"/>
           </a:p>
@@ -4540,7 +4428,7 @@
           <a:p>
             <a:fld id="{0560A9CD-0304-4E0B-9E82-E7E0115DE05B}" type="datetimeFigureOut">
               <a:rPr lang="en-US" smtClean="0"/>
-              <a:t>4/21/2024</a:t>
+              <a:t>4/6/2025</a:t>
             </a:fld>
             <a:endParaRPr lang="en-US"/>
           </a:p>
@@ -5317,37 +5205,20 @@
               <a:rPr lang="en-US" dirty="0"/>
               <a:t>Reloads a previously imported </a:t>
             </a:r>
+            <a:r>
+              <a:rPr lang="en-US" i="1" dirty="0"/>
+              <a:t>module</a:t>
+            </a:r>
+            <a:r>
+              <a:rPr lang="en-US" dirty="0"/>
+              <a:t>. Relevant if you have edited the code </a:t>
+            </a:r>
             <a:br>
               <a:rPr lang="en-US" dirty="0"/>
             </a:br>
             <a:r>
-              <a:rPr lang="en-US" i="1" dirty="0"/>
-              <a:t>module</a:t>
-            </a:r>
-            <a:r>
               <a:rPr lang="en-US" dirty="0"/>
-              <a:t>. Relevant if you have </a:t>
-            </a:r>
-            <a:br>
-              <a:rPr lang="en-US" dirty="0"/>
-            </a:br>
-            <a:r>
-              <a:rPr lang="en-US" dirty="0"/>
-              <a:t>edited the code for the module </a:t>
-            </a:r>
-            <a:br>
-              <a:rPr lang="en-US" dirty="0"/>
-            </a:br>
-            <a:r>
-              <a:rPr lang="en-US" dirty="0"/>
-              <a:t>and want to load the new version </a:t>
-            </a:r>
-            <a:br>
-              <a:rPr lang="en-US" dirty="0"/>
-            </a:br>
-            <a:r>
-              <a:rPr lang="en-US" dirty="0"/>
-              <a:t>in the Python interpreter, without restarting the full program from scratch.</a:t>
+              <a:t>for the module and want to load the new version in the Python interpreter, without restarting the full program from scratch.</a:t>
             </a:r>
           </a:p>
         </p:txBody>
@@ -14330,7 +14201,7 @@
             </a:r>
             <a:r>
               <a:rPr lang="da-DK" dirty="0"/>
-              <a:t> of the +500.000 </a:t>
+              <a:t> of the +600.000 </a:t>
             </a:r>
             <a:r>
               <a:rPr lang="da-DK" dirty="0" err="1"/>
@@ -16527,7 +16398,7 @@
           <p:nvPr>
             <p:extLst>
               <p:ext uri="{D42A27DB-BD31-4B8C-83A1-F6EECF244321}">
-                <p14:modId xmlns:p14="http://schemas.microsoft.com/office/powerpoint/2010/main" val="409908668"/>
+                <p14:modId xmlns:p14="http://schemas.microsoft.com/office/powerpoint/2010/main" val="4131373128"/>
               </p:ext>
             </p:extLst>
           </p:nvPr>
@@ -16675,7 +16546,7 @@
                           <a:latin typeface="Courier New" panose="02070309020205020404" pitchFamily="49" charset="0"/>
                           <a:cs typeface="Courier New" panose="02070309020205020404" pitchFamily="49" charset="0"/>
                         </a:rPr>
-                        <a:t> randint</a:t>
+                        <a:t> choice</a:t>
                       </a:r>
                     </a:p>
                     <a:p>
@@ -16738,11 +16609,20 @@
                     </a:p>
                     <a:p>
                       <a:r>
+                        <a:rPr lang="en-US" sz="1600" b="1" dirty="0">
+                          <a:latin typeface="Courier New" panose="02070309020205020404" pitchFamily="49" charset="0"/>
+                          <a:cs typeface="Courier New" panose="02070309020205020404" pitchFamily="49" charset="0"/>
+                        </a:rPr>
+                        <a:t>    print(' '.join(choice(W) for _ in range(n)))</a:t>
+                      </a:r>
+                    </a:p>
+                    <a:p>
+                      <a:r>
                         <a:rPr lang="pt-BR" sz="1600" b="1" dirty="0">
                           <a:latin typeface="Courier New" panose="02070309020205020404" pitchFamily="49" charset="0"/>
                           <a:cs typeface="Courier New" panose="02070309020205020404" pitchFamily="49" charset="0"/>
                         </a:rPr>
-                        <a:t>    words = (W[randint(0, len(W) - 1)] for _ in range(n))</a:t>
+                        <a:t>   </a:t>
                       </a:r>
                     </a:p>
                     <a:p>
@@ -16751,7 +16631,35 @@
                           <a:latin typeface="Courier New" panose="02070309020205020404" pitchFamily="49" charset="0"/>
                           <a:cs typeface="Courier New" panose="02070309020205020404" pitchFamily="49" charset="0"/>
                         </a:rPr>
-                        <a:t>    print(' '.join(words))</a:t>
+                        <a:t>def </a:t>
+                      </a:r>
+                      <a:r>
+                        <a:rPr lang="pt-BR" sz="1600" b="1" dirty="0">
+                          <a:solidFill>
+                            <a:schemeClr val="accent1">
+                              <a:lumMod val="50000"/>
+                            </a:schemeClr>
+                          </a:solidFill>
+                          <a:latin typeface="Courier New" panose="02070309020205020404" pitchFamily="49" charset="0"/>
+                          <a:cs typeface="Courier New" panose="02070309020205020404" pitchFamily="49" charset="0"/>
+                        </a:rPr>
+                        <a:t>the_name</a:t>
+                      </a:r>
+                      <a:r>
+                        <a:rPr lang="pt-BR" sz="1600" b="1" dirty="0">
+                          <a:latin typeface="Courier New" panose="02070309020205020404" pitchFamily="49" charset="0"/>
+                          <a:cs typeface="Courier New" panose="02070309020205020404" pitchFamily="49" charset="0"/>
+                        </a:rPr>
+                        <a:t>():</a:t>
+                      </a:r>
+                    </a:p>
+                    <a:p>
+                      <a:r>
+                        <a:rPr lang="pt-BR" sz="1600" b="1" dirty="0">
+                          <a:latin typeface="Courier New" panose="02070309020205020404" pitchFamily="49" charset="0"/>
+                          <a:cs typeface="Courier New" panose="02070309020205020404" pitchFamily="49" charset="0"/>
+                        </a:rPr>
+                        <a:t>    print(f'__name__ = "{__name__}"')</a:t>
                       </a:r>
                     </a:p>
                     <a:p>
@@ -16759,24 +16667,6 @@
                         <a:latin typeface="Courier New" panose="02070309020205020404" pitchFamily="49" charset="0"/>
                         <a:cs typeface="Courier New" panose="02070309020205020404" pitchFamily="49" charset="0"/>
                       </a:endParaRPr>
-                    </a:p>
-                    <a:p>
-                      <a:r>
-                        <a:rPr lang="pt-BR" sz="1600" b="1" dirty="0">
-                          <a:latin typeface="Courier New" panose="02070309020205020404" pitchFamily="49" charset="0"/>
-                          <a:cs typeface="Courier New" panose="02070309020205020404" pitchFamily="49" charset="0"/>
-                        </a:rPr>
-                        <a:t>def the_name():</a:t>
-                      </a:r>
-                    </a:p>
-                    <a:p>
-                      <a:r>
-                        <a:rPr lang="pt-BR" sz="1600" b="1" dirty="0">
-                          <a:latin typeface="Courier New" panose="02070309020205020404" pitchFamily="49" charset="0"/>
-                          <a:cs typeface="Courier New" panose="02070309020205020404" pitchFamily="49" charset="0"/>
-                        </a:rPr>
-                        <a:t>    print('__name__ = "' + __name__ +'"')</a:t>
-                      </a:r>
                     </a:p>
                   </a:txBody>
                   <a:tcPr>
@@ -22283,7 +22173,7 @@
           <p:nvPr>
             <p:extLst>
               <p:ext uri="{D42A27DB-BD31-4B8C-83A1-F6EECF244321}">
-                <p14:modId xmlns:p14="http://schemas.microsoft.com/office/powerpoint/2010/main" val="319966001"/>
+                <p14:modId xmlns:p14="http://schemas.microsoft.com/office/powerpoint/2010/main" val="2743990093"/>
               </p:ext>
             </p:extLst>
           </p:nvPr>
@@ -22618,65 +22508,8 @@
                           <a:latin typeface="Courier New" panose="02070309020205020404" pitchFamily="49" charset="0"/>
                           <a:cs typeface="Courier New" panose="02070309020205020404" pitchFamily="49" charset="0"/>
                         </a:rPr>
-                        <a:t>&lt;function amin at 0x0000024768E69F30&gt;  </a:t>
-                      </a:r>
-                      <a:r>
-                        <a:rPr lang="en-US" sz="1400" b="1" baseline="0" dirty="0">
-                          <a:solidFill>
-                            <a:schemeClr val="bg1">
-                              <a:lumMod val="50000"/>
-                            </a:schemeClr>
-                          </a:solidFill>
-                          <a:latin typeface="Courier New" panose="02070309020205020404" pitchFamily="49" charset="0"/>
-                          <a:cs typeface="Courier New" panose="02070309020205020404" pitchFamily="49" charset="0"/>
-                        </a:rPr>
-                        <a:t># </a:t>
-                      </a:r>
-                      <a:r>
-                        <a:rPr lang="en-US" sz="1400" b="1" baseline="0" dirty="0" err="1">
-                          <a:solidFill>
-                            <a:schemeClr val="bg1">
-                              <a:lumMod val="50000"/>
-                            </a:schemeClr>
-                          </a:solidFill>
-                          <a:latin typeface="Courier New" panose="02070309020205020404" pitchFamily="49" charset="0"/>
-                          <a:cs typeface="Courier New" panose="02070309020205020404" pitchFamily="49" charset="0"/>
-                        </a:rPr>
-                        <a:t>numpy.min</a:t>
-                      </a:r>
-                      <a:r>
-                        <a:rPr lang="en-US" sz="1400" b="1" baseline="0" dirty="0">
-                          <a:solidFill>
-                            <a:schemeClr val="bg1">
-                              <a:lumMod val="50000"/>
-                            </a:schemeClr>
-                          </a:solidFill>
-                          <a:latin typeface="Courier New" panose="02070309020205020404" pitchFamily="49" charset="0"/>
-                          <a:cs typeface="Courier New" panose="02070309020205020404" pitchFamily="49" charset="0"/>
-                        </a:rPr>
-                        <a:t> == </a:t>
-                      </a:r>
-                      <a:r>
-                        <a:rPr lang="en-US" sz="1400" b="1" baseline="0" dirty="0" err="1">
-                          <a:solidFill>
-                            <a:schemeClr val="bg1">
-                              <a:lumMod val="50000"/>
-                            </a:schemeClr>
-                          </a:solidFill>
-                          <a:latin typeface="Courier New" panose="02070309020205020404" pitchFamily="49" charset="0"/>
-                          <a:cs typeface="Courier New" panose="02070309020205020404" pitchFamily="49" charset="0"/>
-                        </a:rPr>
-                        <a:t>numpy.amin</a:t>
-                      </a:r>
-                      <a:endParaRPr lang="en-US" sz="1400" b="1" baseline="0" dirty="0">
-                        <a:solidFill>
-                          <a:schemeClr val="bg1">
-                            <a:lumMod val="50000"/>
-                          </a:schemeClr>
-                        </a:solidFill>
-                        <a:latin typeface="Courier New" panose="02070309020205020404" pitchFamily="49" charset="0"/>
-                        <a:cs typeface="Courier New" panose="02070309020205020404" pitchFamily="49" charset="0"/>
-                      </a:endParaRPr>
+                        <a:t>&lt;function min at 0x0000024E5DAC71F0&gt;</a:t>
+                      </a:r>
                     </a:p>
                     <a:p>
                       <a:pPr marL="266700" marR="0" lvl="0" indent="-266700" algn="l" defTabSz="914400" rtl="0" eaLnBrk="1" fontAlgn="auto" latinLnBrk="0" hangingPunct="1">
@@ -22731,7 +22564,7 @@
                           <a:latin typeface="Courier New" panose="02070309020205020404" pitchFamily="49" charset="0"/>
                           <a:cs typeface="Courier New" panose="02070309020205020404" pitchFamily="49" charset="0"/>
                         </a:rPr>
-                        <a:t>&lt;function sum at 0x0000024768E69510&gt;</a:t>
+                        <a:t>&lt;function sum at 0x0000024E5DAC5D70&gt;</a:t>
                       </a:r>
                     </a:p>
                     <a:p>
@@ -22816,13 +22649,10 @@
                       </a:pPr>
                       <a:r>
                         <a:rPr lang="en-US" sz="1400" b="1" baseline="0" dirty="0">
-                          <a:solidFill>
-                            <a:schemeClr val="tx1"/>
-                          </a:solidFill>
-                          <a:latin typeface="Courier New" panose="02070309020205020404" pitchFamily="49" charset="0"/>
-                          <a:cs typeface="Courier New" panose="02070309020205020404" pitchFamily="49" charset="0"/>
-                        </a:rPr>
-                        <a:t>sum</a:t>
+                          <a:latin typeface="Courier New" panose="02070309020205020404" pitchFamily="49" charset="0"/>
+                          <a:cs typeface="Courier New" panose="02070309020205020404" pitchFamily="49" charset="0"/>
+                        </a:rPr>
+                        <a:t>min</a:t>
                       </a:r>
                     </a:p>
                     <a:p>
@@ -22841,41 +22671,8 @@
                           <a:latin typeface="Courier New" panose="02070309020205020404" pitchFamily="49" charset="0"/>
                           <a:cs typeface="Courier New" panose="02070309020205020404" pitchFamily="49" charset="0"/>
                         </a:rPr>
-                        <a:t>&lt;function sum at 0x0000024768E69510&gt;  </a:t>
-                      </a:r>
-                      <a:r>
-                        <a:rPr lang="en-US" sz="1400" b="1" baseline="0" dirty="0">
-                          <a:solidFill>
-                            <a:schemeClr val="bg1">
-                              <a:lumMod val="50000"/>
-                            </a:schemeClr>
-                          </a:solidFill>
-                          <a:latin typeface="Courier New" panose="02070309020205020404" pitchFamily="49" charset="0"/>
-                          <a:cs typeface="Courier New" panose="02070309020205020404" pitchFamily="49" charset="0"/>
-                        </a:rPr>
-                        <a:t># </a:t>
-                      </a:r>
-                      <a:r>
-                        <a:rPr lang="en-US" sz="1400" b="1" baseline="0" dirty="0" err="1">
-                          <a:solidFill>
-                            <a:schemeClr val="bg1">
-                              <a:lumMod val="50000"/>
-                            </a:schemeClr>
-                          </a:solidFill>
-                          <a:latin typeface="Courier New" panose="02070309020205020404" pitchFamily="49" charset="0"/>
-                          <a:cs typeface="Courier New" panose="02070309020205020404" pitchFamily="49" charset="0"/>
-                        </a:rPr>
-                        <a:t>numpy.sum</a:t>
-                      </a:r>
-                      <a:endParaRPr lang="en-US" sz="1400" b="1" baseline="0" dirty="0">
-                        <a:solidFill>
-                          <a:schemeClr val="bg1">
-                            <a:lumMod val="50000"/>
-                          </a:schemeClr>
-                        </a:solidFill>
-                        <a:latin typeface="Courier New" panose="02070309020205020404" pitchFamily="49" charset="0"/>
-                        <a:cs typeface="Courier New" panose="02070309020205020404" pitchFamily="49" charset="0"/>
-                      </a:endParaRPr>
+                        <a:t>&lt;function min at 0x0000024E5DAC71F0&gt;</a:t>
+                      </a:r>
                     </a:p>
                     <a:p>
                       <a:pPr marL="266700" marR="0" lvl="0" indent="-266700" algn="l" defTabSz="914400" rtl="0" eaLnBrk="1" fontAlgn="auto" latinLnBrk="0" hangingPunct="1">
@@ -22899,10 +22696,13 @@
                       </a:pPr>
                       <a:r>
                         <a:rPr lang="en-US" sz="1400" b="1" baseline="0" dirty="0">
-                          <a:latin typeface="Courier New" panose="02070309020205020404" pitchFamily="49" charset="0"/>
-                          <a:cs typeface="Courier New" panose="02070309020205020404" pitchFamily="49" charset="0"/>
-                        </a:rPr>
-                        <a:t>min</a:t>
+                          <a:solidFill>
+                            <a:schemeClr val="tx1"/>
+                          </a:solidFill>
+                          <a:latin typeface="Courier New" panose="02070309020205020404" pitchFamily="49" charset="0"/>
+                          <a:cs typeface="Courier New" panose="02070309020205020404" pitchFamily="49" charset="0"/>
+                        </a:rPr>
+                        <a:t>sum</a:t>
                       </a:r>
                     </a:p>
                     <a:p>
@@ -22921,43 +22721,7 @@
                           <a:latin typeface="Courier New" panose="02070309020205020404" pitchFamily="49" charset="0"/>
                           <a:cs typeface="Courier New" panose="02070309020205020404" pitchFamily="49" charset="0"/>
                         </a:rPr>
-                        <a:t>&lt;built-in function min&gt;  </a:t>
-                      </a:r>
-                      <a:r>
-                        <a:rPr lang="en-US" sz="1400" b="1" baseline="0" dirty="0">
-                          <a:solidFill>
-                            <a:schemeClr val="bg1">
-                              <a:lumMod val="50000"/>
-                            </a:schemeClr>
-                          </a:solidFill>
-                          <a:latin typeface="Courier New" panose="02070309020205020404" pitchFamily="49" charset="0"/>
-                          <a:cs typeface="Courier New" panose="02070309020205020404" pitchFamily="49" charset="0"/>
-                        </a:rPr>
-                        <a:t># </a:t>
-                      </a:r>
-                      <a:r>
-                        <a:rPr lang="en-US" sz="1400" b="1" baseline="0" dirty="0" err="1">
-                          <a:solidFill>
-                            <a:schemeClr val="bg1">
-                              <a:lumMod val="50000"/>
-                            </a:schemeClr>
-                          </a:solidFill>
-                          <a:latin typeface="Courier New" panose="02070309020205020404" pitchFamily="49" charset="0"/>
-                          <a:cs typeface="Courier New" panose="02070309020205020404" pitchFamily="49" charset="0"/>
-                        </a:rPr>
-                        <a:t>builtin</a:t>
-                      </a:r>
-                      <a:r>
-                        <a:rPr lang="en-US" sz="1400" b="1" baseline="0" dirty="0">
-                          <a:solidFill>
-                            <a:schemeClr val="bg1">
-                              <a:lumMod val="50000"/>
-                            </a:schemeClr>
-                          </a:solidFill>
-                          <a:latin typeface="Courier New" panose="02070309020205020404" pitchFamily="49" charset="0"/>
-                          <a:cs typeface="Courier New" panose="02070309020205020404" pitchFamily="49" charset="0"/>
-                        </a:rPr>
-                        <a:t> min</a:t>
+                        <a:t>&lt;function sum at 0x0000024E5DAC5D70&gt;</a:t>
                       </a:r>
                     </a:p>
                     <a:p>
@@ -23021,7 +22785,7 @@
                           <a:latin typeface="Courier New" panose="02070309020205020404" pitchFamily="49" charset="0"/>
                           <a:cs typeface="Courier New" panose="02070309020205020404" pitchFamily="49" charset="0"/>
                         </a:rPr>
-                        <a:t>[..., 'sum', ...]   </a:t>
+                        <a:t>[..., 'min', ..., 'sum', ...]   </a:t>
                       </a:r>
                       <a:r>
                         <a:rPr lang="en-US" sz="1400" b="1" baseline="0" dirty="0">
@@ -23033,17 +22797,56 @@
                           <a:latin typeface="Courier New" panose="02070309020205020404" pitchFamily="49" charset="0"/>
                           <a:cs typeface="Courier New" panose="02070309020205020404" pitchFamily="49" charset="0"/>
                         </a:rPr>
-                        <a:t># 'min' is not in list</a:t>
-                      </a:r>
-                      <a:endParaRPr lang="pt-BR" sz="1400" b="1" baseline="0" dirty="0">
-                        <a:solidFill>
-                          <a:schemeClr val="bg1">
-                            <a:lumMod val="50000"/>
-                          </a:schemeClr>
-                        </a:solidFill>
-                        <a:latin typeface="Courier New" panose="02070309020205020404" pitchFamily="49" charset="0"/>
-                        <a:cs typeface="Courier New" panose="02070309020205020404" pitchFamily="49" charset="0"/>
-                      </a:endParaRPr>
+                        <a:t># </a:t>
+                      </a:r>
+                      <a:r>
+                        <a:rPr lang="en-US" sz="1400" b="1" baseline="0" dirty="0" err="1">
+                          <a:solidFill>
+                            <a:schemeClr val="bg1">
+                              <a:lumMod val="50000"/>
+                            </a:schemeClr>
+                          </a:solidFill>
+                          <a:latin typeface="Courier New" panose="02070309020205020404" pitchFamily="49" charset="0"/>
+                          <a:cs typeface="Courier New" panose="02070309020205020404" pitchFamily="49" charset="0"/>
+                        </a:rPr>
+                        <a:t>len</a:t>
+                      </a:r>
+                      <a:r>
+                        <a:rPr lang="en-US" sz="1400" b="1" baseline="0" dirty="0">
+                          <a:solidFill>
+                            <a:schemeClr val="bg1">
+                              <a:lumMod val="50000"/>
+                            </a:schemeClr>
+                          </a:solidFill>
+                          <a:latin typeface="Courier New" panose="02070309020205020404" pitchFamily="49" charset="0"/>
+                          <a:cs typeface="Courier New" panose="02070309020205020404" pitchFamily="49" charset="0"/>
+                        </a:rPr>
+                        <a:t>(</a:t>
+                      </a:r>
+                      <a:r>
+                        <a:rPr lang="en-US" sz="1400" b="1" baseline="0" dirty="0" err="1">
+                          <a:solidFill>
+                            <a:schemeClr val="bg1">
+                              <a:lumMod val="50000"/>
+                            </a:schemeClr>
+                          </a:solidFill>
+                          <a:latin typeface="Courier New" panose="02070309020205020404" pitchFamily="49" charset="0"/>
+                          <a:cs typeface="Courier New" panose="02070309020205020404" pitchFamily="49" charset="0"/>
+                        </a:rPr>
+                        <a:t>numpy</a:t>
+                      </a:r>
+                      <a:r>
+                        <a:rPr lang="en-US" sz="1400" b="1" baseline="0" dirty="0">
+                          <a:solidFill>
+                            <a:schemeClr val="bg1">
+                              <a:lumMod val="50000"/>
+                            </a:schemeClr>
+                          </a:solidFill>
+                          <a:latin typeface="Courier New" panose="02070309020205020404" pitchFamily="49" charset="0"/>
+                          <a:cs typeface="Courier New" panose="02070309020205020404" pitchFamily="49" charset="0"/>
+                        </a:rPr>
+                        <a:t>.__all__) == 500</a:t>
+                      </a:r>
                     </a:p>
                   </a:txBody>
                   <a:tcPr>
@@ -23109,42 +22912,6 @@
           </a:graphicData>
         </a:graphic>
       </p:graphicFrame>
-      <p:pic>
-        <p:nvPicPr>
-          <p:cNvPr id="7" name="Picture 6">
-            <a:extLst>
-              <a:ext uri="{FF2B5EF4-FFF2-40B4-BE49-F238E27FC236}">
-                <a16:creationId xmlns:a16="http://schemas.microsoft.com/office/drawing/2014/main" id="{190C25B2-2BB1-4A42-929D-0EC26085D73B}"/>
-              </a:ext>
-            </a:extLst>
-          </p:cNvPr>
-          <p:cNvPicPr>
-            <a:picLocks noChangeAspect="1"/>
-          </p:cNvPicPr>
-          <p:nvPr/>
-        </p:nvPicPr>
-        <p:blipFill>
-          <a:blip r:embed="rId3" cstate="print">
-            <a:extLst>
-              <a:ext uri="{28A0092B-C50C-407E-A947-70E740481C1C}">
-                <a14:useLocalDpi xmlns:a14="http://schemas.microsoft.com/office/drawing/2010/main" val="0"/>
-              </a:ext>
-            </a:extLst>
-          </a:blip>
-          <a:stretch>
-            <a:fillRect/>
-          </a:stretch>
-        </p:blipFill>
-        <p:spPr>
-          <a:xfrm>
-            <a:off x="4733140" y="5830591"/>
-            <a:ext cx="514430" cy="405904"/>
-          </a:xfrm>
-          <a:prstGeom prst="rect">
-            <a:avLst/>
-          </a:prstGeom>
-        </p:spPr>
-      </p:pic>
       <p:sp>
         <p:nvSpPr>
           <p:cNvPr id="10" name="Content Placeholder 2">
@@ -23224,29 +22991,22 @@
             </a:r>
             <a:r>
               <a:rPr lang="da-DK" dirty="0"/>
-              <a:t> by </a:t>
+              <a:t>  by </a:t>
             </a:r>
             <a:r>
               <a:rPr lang="da-DK" dirty="0" err="1"/>
               <a:t>defining</a:t>
             </a:r>
             <a:r>
-              <a:rPr lang="da-DK"/>
+              <a:rPr lang="da-DK" dirty="0"/>
               <a:t>  </a:t>
-            </a:r>
-            <a:r>
-              <a:rPr lang="da-DK">
-                <a:latin typeface="Courier New" panose="02070309020205020404" pitchFamily="49" charset="0"/>
-                <a:cs typeface="Courier New" panose="02070309020205020404" pitchFamily="49" charset="0"/>
-              </a:rPr>
-              <a:t>__</a:t>
             </a:r>
             <a:r>
               <a:rPr lang="da-DK" dirty="0">
                 <a:latin typeface="Courier New" panose="02070309020205020404" pitchFamily="49" charset="0"/>
                 <a:cs typeface="Courier New" panose="02070309020205020404" pitchFamily="49" charset="0"/>
               </a:rPr>
-              <a:t>all__</a:t>
+              <a:t>__all__</a:t>
             </a:r>
             <a:endParaRPr lang="en-US" dirty="0">
               <a:latin typeface="Courier New" panose="02070309020205020404" pitchFamily="49" charset="0"/>
@@ -25735,7 +25495,7 @@
           <p:nvPr>
             <p:extLst>
               <p:ext uri="{D42A27DB-BD31-4B8C-83A1-F6EECF244321}">
-                <p14:modId xmlns:p14="http://schemas.microsoft.com/office/powerpoint/2010/main" val="3111911234"/>
+                <p14:modId xmlns:p14="http://schemas.microsoft.com/office/powerpoint/2010/main" val="1331801743"/>
               </p:ext>
             </p:extLst>
           </p:nvPr>
@@ -25963,7 +25723,7 @@
                           <a:latin typeface="Courier New" panose="02070309020205020404" pitchFamily="49" charset="0"/>
                           <a:cs typeface="Courier New" panose="02070309020205020404" pitchFamily="49" charset="0"/>
                         </a:rPr>
-                        <a:t>print('__name__ =', __name__)</a:t>
+                        <a:t>print(f'{__name__ = }')</a:t>
                       </a:r>
                     </a:p>
                     <a:p>
@@ -26524,7 +26284,7 @@
           <p:nvPr>
             <p:extLst>
               <p:ext uri="{D42A27DB-BD31-4B8C-83A1-F6EECF244321}">
-                <p14:modId xmlns:p14="http://schemas.microsoft.com/office/powerpoint/2010/main" val="3785857216"/>
+                <p14:modId xmlns:p14="http://schemas.microsoft.com/office/powerpoint/2010/main" val="1144000028"/>
               </p:ext>
             </p:extLst>
           </p:nvPr>
@@ -26649,7 +26409,7 @@
                           <a:latin typeface="Courier New" panose="02070309020205020404" pitchFamily="49" charset="0"/>
                           <a:cs typeface="Courier New" panose="02070309020205020404" pitchFamily="49" charset="0"/>
                         </a:rPr>
-                        <a:t>print(__name__)</a:t>
+                        <a:t>print(f'{__name__ = }')</a:t>
                       </a:r>
                       <a:br>
                         <a:rPr lang="en-US" sz="1400" b="1" dirty="0">
@@ -26864,7 +26624,7 @@
                           <a:latin typeface="Courier New" panose="02070309020205020404" pitchFamily="49" charset="0"/>
                           <a:cs typeface="Courier New" panose="02070309020205020404" pitchFamily="49" charset="0"/>
                         </a:rPr>
-                        <a:t>__name__ = double</a:t>
+                        <a:t>__name__ = 'double'</a:t>
                       </a:r>
                       <a:br>
                         <a:rPr lang="en-US" sz="1400" b="1" baseline="0" dirty="0">
@@ -26883,7 +26643,7 @@
                           <a:latin typeface="Courier New" panose="02070309020205020404" pitchFamily="49" charset="0"/>
                           <a:cs typeface="Courier New" panose="02070309020205020404" pitchFamily="49" charset="0"/>
                         </a:rPr>
-                        <a:t>__main__</a:t>
+                        <a:t>__name__ = '__main__'</a:t>
                       </a:r>
                       <a:br>
                         <a:rPr lang="en-US" sz="1400" b="1" baseline="0" dirty="0">

--- a/ipsa/slides/modules.pptx
+++ b/ipsa/slides/modules.pptx
@@ -336,7 +336,7 @@
   <pc:docChgLst>
     <pc:chgData name="Gerth Stølting Brodal" userId="04ef4784-6591-4f86-a140-f5c3b108582a" providerId="ADAL" clId="{A2864066-7729-4275-8EA4-55E0B846AAEA}"/>
     <pc:docChg chg="modSld">
-      <pc:chgData name="Gerth Stølting Brodal" userId="04ef4784-6591-4f86-a140-f5c3b108582a" providerId="ADAL" clId="{A2864066-7729-4275-8EA4-55E0B846AAEA}" dt="2025-04-06T20:35:35.422" v="16"/>
+      <pc:chgData name="Gerth Stølting Brodal" userId="04ef4784-6591-4f86-a140-f5c3b108582a" providerId="ADAL" clId="{A2864066-7729-4275-8EA4-55E0B846AAEA}" dt="2025-04-07T10:16:35.715" v="27" actId="20577"/>
       <pc:docMkLst>
         <pc:docMk/>
       </pc:docMkLst>
@@ -363,14 +363,14 @@
           </ac:graphicFrameMkLst>
         </pc:graphicFrameChg>
       </pc:sldChg>
-      <pc:sldChg chg="modSp">
-        <pc:chgData name="Gerth Stølting Brodal" userId="04ef4784-6591-4f86-a140-f5c3b108582a" providerId="ADAL" clId="{A2864066-7729-4275-8EA4-55E0B846AAEA}" dt="2025-04-06T20:05:26.132" v="2"/>
+      <pc:sldChg chg="modSp mod">
+        <pc:chgData name="Gerth Stølting Brodal" userId="04ef4784-6591-4f86-a140-f5c3b108582a" providerId="ADAL" clId="{A2864066-7729-4275-8EA4-55E0B846AAEA}" dt="2025-04-07T10:16:35.715" v="27" actId="20577"/>
         <pc:sldMkLst>
           <pc:docMk/>
           <pc:sldMk cId="1192181667" sldId="781"/>
         </pc:sldMkLst>
-        <pc:graphicFrameChg chg="mod">
-          <ac:chgData name="Gerth Stølting Brodal" userId="04ef4784-6591-4f86-a140-f5c3b108582a" providerId="ADAL" clId="{A2864066-7729-4275-8EA4-55E0B846AAEA}" dt="2025-04-06T20:05:26.132" v="2"/>
+        <pc:graphicFrameChg chg="mod modGraphic">
+          <ac:chgData name="Gerth Stølting Brodal" userId="04ef4784-6591-4f86-a140-f5c3b108582a" providerId="ADAL" clId="{A2864066-7729-4275-8EA4-55E0B846AAEA}" dt="2025-04-07T10:16:35.715" v="27" actId="20577"/>
           <ac:graphicFrameMkLst>
             <pc:docMk/>
             <pc:sldMk cId="1192181667" sldId="781"/>
@@ -480,7 +480,7 @@
           <a:p>
             <a:fld id="{FB1A172F-81D4-4DC4-9113-1DBD56EC3646}" type="datetimeFigureOut">
               <a:rPr lang="en-US" smtClean="0"/>
-              <a:t>4/6/2025</a:t>
+              <a:t>4/7/2025</a:t>
             </a:fld>
             <a:endParaRPr lang="en-US"/>
           </a:p>
@@ -2111,7 +2111,7 @@
           <a:p>
             <a:fld id="{0560A9CD-0304-4E0B-9E82-E7E0115DE05B}" type="datetimeFigureOut">
               <a:rPr lang="en-US" smtClean="0"/>
-              <a:t>4/6/2025</a:t>
+              <a:t>4/7/2025</a:t>
             </a:fld>
             <a:endParaRPr lang="en-US"/>
           </a:p>
@@ -2279,7 +2279,7 @@
           <a:p>
             <a:fld id="{0560A9CD-0304-4E0B-9E82-E7E0115DE05B}" type="datetimeFigureOut">
               <a:rPr lang="en-US" smtClean="0"/>
-              <a:t>4/6/2025</a:t>
+              <a:t>4/7/2025</a:t>
             </a:fld>
             <a:endParaRPr lang="en-US"/>
           </a:p>
@@ -2457,7 +2457,7 @@
           <a:p>
             <a:fld id="{0560A9CD-0304-4E0B-9E82-E7E0115DE05B}" type="datetimeFigureOut">
               <a:rPr lang="en-US" smtClean="0"/>
-              <a:t>4/6/2025</a:t>
+              <a:t>4/7/2025</a:t>
             </a:fld>
             <a:endParaRPr lang="en-US"/>
           </a:p>
@@ -2640,7 +2640,7 @@
           <a:p>
             <a:fld id="{0560A9CD-0304-4E0B-9E82-E7E0115DE05B}" type="datetimeFigureOut">
               <a:rPr lang="en-US" smtClean="0"/>
-              <a:t>4/6/2025</a:t>
+              <a:t>4/7/2025</a:t>
             </a:fld>
             <a:endParaRPr lang="en-US"/>
           </a:p>
@@ -2885,7 +2885,7 @@
           <a:p>
             <a:fld id="{0560A9CD-0304-4E0B-9E82-E7E0115DE05B}" type="datetimeFigureOut">
               <a:rPr lang="en-US" smtClean="0"/>
-              <a:t>4/6/2025</a:t>
+              <a:t>4/7/2025</a:t>
             </a:fld>
             <a:endParaRPr lang="en-US"/>
           </a:p>
@@ -3114,7 +3114,7 @@
           <a:p>
             <a:fld id="{0560A9CD-0304-4E0B-9E82-E7E0115DE05B}" type="datetimeFigureOut">
               <a:rPr lang="en-US" smtClean="0"/>
-              <a:t>4/6/2025</a:t>
+              <a:t>4/7/2025</a:t>
             </a:fld>
             <a:endParaRPr lang="en-US"/>
           </a:p>
@@ -3478,7 +3478,7 @@
           <a:p>
             <a:fld id="{0560A9CD-0304-4E0B-9E82-E7E0115DE05B}" type="datetimeFigureOut">
               <a:rPr lang="en-US" smtClean="0"/>
-              <a:t>4/6/2025</a:t>
+              <a:t>4/7/2025</a:t>
             </a:fld>
             <a:endParaRPr lang="en-US"/>
           </a:p>
@@ -3595,7 +3595,7 @@
           <a:p>
             <a:fld id="{0560A9CD-0304-4E0B-9E82-E7E0115DE05B}" type="datetimeFigureOut">
               <a:rPr lang="en-US" smtClean="0"/>
-              <a:t>4/6/2025</a:t>
+              <a:t>4/7/2025</a:t>
             </a:fld>
             <a:endParaRPr lang="en-US"/>
           </a:p>
@@ -3690,7 +3690,7 @@
           <a:p>
             <a:fld id="{0560A9CD-0304-4E0B-9E82-E7E0115DE05B}" type="datetimeFigureOut">
               <a:rPr lang="en-US" smtClean="0"/>
-              <a:t>4/6/2025</a:t>
+              <a:t>4/7/2025</a:t>
             </a:fld>
             <a:endParaRPr lang="en-US"/>
           </a:p>
@@ -3965,7 +3965,7 @@
           <a:p>
             <a:fld id="{0560A9CD-0304-4E0B-9E82-E7E0115DE05B}" type="datetimeFigureOut">
               <a:rPr lang="en-US" smtClean="0"/>
-              <a:t>4/6/2025</a:t>
+              <a:t>4/7/2025</a:t>
             </a:fld>
             <a:endParaRPr lang="en-US"/>
           </a:p>
@@ -4217,7 +4217,7 @@
           <a:p>
             <a:fld id="{0560A9CD-0304-4E0B-9E82-E7E0115DE05B}" type="datetimeFigureOut">
               <a:rPr lang="en-US" smtClean="0"/>
-              <a:t>4/6/2025</a:t>
+              <a:t>4/7/2025</a:t>
             </a:fld>
             <a:endParaRPr lang="en-US"/>
           </a:p>
@@ -4428,7 +4428,7 @@
           <a:p>
             <a:fld id="{0560A9CD-0304-4E0B-9E82-E7E0115DE05B}" type="datetimeFigureOut">
               <a:rPr lang="en-US" smtClean="0"/>
-              <a:t>4/6/2025</a:t>
+              <a:t>4/7/2025</a:t>
             </a:fld>
             <a:endParaRPr lang="en-US"/>
           </a:p>
@@ -16398,7 +16398,7 @@
           <p:nvPr>
             <p:extLst>
               <p:ext uri="{D42A27DB-BD31-4B8C-83A1-F6EECF244321}">
-                <p14:modId xmlns:p14="http://schemas.microsoft.com/office/powerpoint/2010/main" val="4131373128"/>
+                <p14:modId xmlns:p14="http://schemas.microsoft.com/office/powerpoint/2010/main" val="2157764611"/>
               </p:ext>
             </p:extLst>
           </p:nvPr>
@@ -16659,8 +16659,19 @@
                           <a:latin typeface="Courier New" panose="02070309020205020404" pitchFamily="49" charset="0"/>
                           <a:cs typeface="Courier New" panose="02070309020205020404" pitchFamily="49" charset="0"/>
                         </a:rPr>
-                        <a:t>    print(f'__name__ = "{__name__}"')</a:t>
-                      </a:r>
+                        <a:t>    print(</a:t>
+                      </a:r>
+                      <a:r>
+                        <a:rPr lang="pt-BR" sz="1600" b="1">
+                          <a:latin typeface="Courier New" panose="02070309020205020404" pitchFamily="49" charset="0"/>
+                          <a:cs typeface="Courier New" panose="02070309020205020404" pitchFamily="49" charset="0"/>
+                        </a:rPr>
+                        <a:t>f'{__name__ = }')</a:t>
+                      </a:r>
+                      <a:endParaRPr lang="pt-BR" sz="1600" b="1" dirty="0">
+                        <a:latin typeface="Courier New" panose="02070309020205020404" pitchFamily="49" charset="0"/>
+                        <a:cs typeface="Courier New" panose="02070309020205020404" pitchFamily="49" charset="0"/>
+                      </a:endParaRPr>
                     </a:p>
                     <a:p>
                       <a:endParaRPr lang="pt-BR" sz="1600" b="1" dirty="0">
